--- a/SteamCapstone_wTheme.pptx
+++ b/SteamCapstone_wTheme.pptx
@@ -5,7 +5,7 @@
     <p:sldMasterId id="2147483672" r:id="rId1"/>
   </p:sldMasterIdLst>
   <p:notesMasterIdLst>
-    <p:notesMasterId r:id="rId21"/>
+    <p:notesMasterId r:id="rId18"/>
   </p:notesMasterIdLst>
   <p:sldIdLst>
     <p:sldId id="256" r:id="rId2"/>
@@ -14,19 +14,16 @@
     <p:sldId id="260" r:id="rId5"/>
     <p:sldId id="259" r:id="rId6"/>
     <p:sldId id="262" r:id="rId7"/>
-    <p:sldId id="261" r:id="rId8"/>
-    <p:sldId id="263" r:id="rId9"/>
-    <p:sldId id="264" r:id="rId10"/>
-    <p:sldId id="265" r:id="rId11"/>
-    <p:sldId id="266" r:id="rId12"/>
-    <p:sldId id="267" r:id="rId13"/>
-    <p:sldId id="268" r:id="rId14"/>
-    <p:sldId id="269" r:id="rId15"/>
-    <p:sldId id="270" r:id="rId16"/>
-    <p:sldId id="271" r:id="rId17"/>
-    <p:sldId id="272" r:id="rId18"/>
-    <p:sldId id="273" r:id="rId19"/>
-    <p:sldId id="274" r:id="rId20"/>
+    <p:sldId id="275" r:id="rId8"/>
+    <p:sldId id="261" r:id="rId9"/>
+    <p:sldId id="263" r:id="rId10"/>
+    <p:sldId id="276" r:id="rId11"/>
+    <p:sldId id="269" r:id="rId12"/>
+    <p:sldId id="270" r:id="rId13"/>
+    <p:sldId id="271" r:id="rId14"/>
+    <p:sldId id="272" r:id="rId15"/>
+    <p:sldId id="273" r:id="rId16"/>
+    <p:sldId id="274" r:id="rId17"/>
   </p:sldIdLst>
   <p:sldSz cx="12192000" cy="6858000"/>
   <p:notesSz cx="6858000" cy="9144000"/>
@@ -128,6 +125,9 @@
   <p:extLst>
     <p:ext uri="{EFAFB233-063F-42B5-8137-9DF3F51BA10A}">
       <p15:sldGuideLst xmlns:p15="http://schemas.microsoft.com/office/powerpoint/2012/main"/>
+    </p:ext>
+    <p:ext uri="{2D200454-40CA-4A62-9FC3-DE9A4176ACB9}">
+      <p15:notesGuideLst xmlns:p15="http://schemas.microsoft.com/office/powerpoint/2012/main"/>
     </p:ext>
   </p:extLst>
 </p:presentation>
@@ -3532,7 +3532,7 @@
           <a:p>
             <a:fld id="{EC447320-BC8B-46A5-A3FF-C506E1121716}" type="datetimeFigureOut">
               <a:rPr lang="en-US" smtClean="0"/>
-              <a:t>2/29/2024</a:t>
+              <a:t>3/4/2024</a:t>
             </a:fld>
             <a:endParaRPr lang="en-US"/>
           </a:p>
@@ -3930,91 +3930,7 @@
           <a:bodyPr/>
           <a:lstStyle/>
           <a:p>
-            <a:endParaRPr lang="en-US"/>
-          </a:p>
-        </p:txBody>
-      </p:sp>
-      <p:sp>
-        <p:nvSpPr>
-          <p:cNvPr id="4" name="Slide Number Placeholder 3"/>
-          <p:cNvSpPr>
-            <a:spLocks noGrp="1"/>
-          </p:cNvSpPr>
-          <p:nvPr>
-            <p:ph type="sldNum" sz="quarter" idx="5"/>
-          </p:nvPr>
-        </p:nvSpPr>
-        <p:spPr/>
-        <p:txBody>
-          <a:bodyPr/>
-          <a:lstStyle/>
-          <a:p>
-            <a:fld id="{79CE8DFE-8369-463E-B521-4F4A79097E5E}" type="slidenum">
-              <a:rPr lang="en-US" smtClean="0"/>
-              <a:t>10</a:t>
-            </a:fld>
-            <a:endParaRPr lang="en-US"/>
-          </a:p>
-        </p:txBody>
-      </p:sp>
-    </p:spTree>
-    <p:extLst>
-      <p:ext uri="{BB962C8B-B14F-4D97-AF65-F5344CB8AC3E}">
-        <p14:creationId xmlns:p14="http://schemas.microsoft.com/office/powerpoint/2010/main" val="2458441139"/>
-      </p:ext>
-    </p:extLst>
-  </p:cSld>
-  <p:clrMapOvr>
-    <a:masterClrMapping/>
-  </p:clrMapOvr>
-</p:notes>
-</file>
-
-<file path=ppt/notesSlides/notesSlide11.xml><?xml version="1.0" encoding="utf-8"?>
-<p:notes xmlns:a="http://schemas.openxmlformats.org/drawingml/2006/main" xmlns:r="http://schemas.openxmlformats.org/officeDocument/2006/relationships" xmlns:p="http://schemas.openxmlformats.org/presentationml/2006/main">
-  <p:cSld>
-    <p:spTree>
-      <p:nvGrpSpPr>
-        <p:cNvPr id="1" name=""/>
-        <p:cNvGrpSpPr/>
-        <p:nvPr/>
-      </p:nvGrpSpPr>
-      <p:grpSpPr>
-        <a:xfrm>
-          <a:off x="0" y="0"/>
-          <a:ext cx="0" cy="0"/>
-          <a:chOff x="0" y="0"/>
-          <a:chExt cx="0" cy="0"/>
-        </a:xfrm>
-      </p:grpSpPr>
-      <p:sp>
-        <p:nvSpPr>
-          <p:cNvPr id="2" name="Slide Image Placeholder 1"/>
-          <p:cNvSpPr>
-            <a:spLocks noGrp="1" noRot="1" noChangeAspect="1"/>
-          </p:cNvSpPr>
-          <p:nvPr>
-            <p:ph type="sldImg"/>
-          </p:nvPr>
-        </p:nvSpPr>
-        <p:spPr/>
-      </p:sp>
-      <p:sp>
-        <p:nvSpPr>
-          <p:cNvPr id="3" name="Notes Placeholder 2"/>
-          <p:cNvSpPr>
-            <a:spLocks noGrp="1"/>
-          </p:cNvSpPr>
-          <p:nvPr>
-            <p:ph type="body" idx="1"/>
-          </p:nvPr>
-        </p:nvSpPr>
-        <p:spPr/>
-        <p:txBody>
-          <a:bodyPr/>
-          <a:lstStyle/>
-          <a:p>
-            <a:endParaRPr lang="en-US"/>
+            <a:endParaRPr lang="en-US" dirty="0"/>
           </a:p>
         </p:txBody>
       </p:sp>
@@ -4044,175 +3960,7 @@
     </p:spTree>
     <p:extLst>
       <p:ext uri="{BB962C8B-B14F-4D97-AF65-F5344CB8AC3E}">
-        <p14:creationId xmlns:p14="http://schemas.microsoft.com/office/powerpoint/2010/main" val="864903025"/>
-      </p:ext>
-    </p:extLst>
-  </p:cSld>
-  <p:clrMapOvr>
-    <a:masterClrMapping/>
-  </p:clrMapOvr>
-</p:notes>
-</file>
-
-<file path=ppt/notesSlides/notesSlide12.xml><?xml version="1.0" encoding="utf-8"?>
-<p:notes xmlns:a="http://schemas.openxmlformats.org/drawingml/2006/main" xmlns:r="http://schemas.openxmlformats.org/officeDocument/2006/relationships" xmlns:p="http://schemas.openxmlformats.org/presentationml/2006/main">
-  <p:cSld>
-    <p:spTree>
-      <p:nvGrpSpPr>
-        <p:cNvPr id="1" name=""/>
-        <p:cNvGrpSpPr/>
-        <p:nvPr/>
-      </p:nvGrpSpPr>
-      <p:grpSpPr>
-        <a:xfrm>
-          <a:off x="0" y="0"/>
-          <a:ext cx="0" cy="0"/>
-          <a:chOff x="0" y="0"/>
-          <a:chExt cx="0" cy="0"/>
-        </a:xfrm>
-      </p:grpSpPr>
-      <p:sp>
-        <p:nvSpPr>
-          <p:cNvPr id="2" name="Slide Image Placeholder 1"/>
-          <p:cNvSpPr>
-            <a:spLocks noGrp="1" noRot="1" noChangeAspect="1"/>
-          </p:cNvSpPr>
-          <p:nvPr>
-            <p:ph type="sldImg"/>
-          </p:nvPr>
-        </p:nvSpPr>
-        <p:spPr/>
-      </p:sp>
-      <p:sp>
-        <p:nvSpPr>
-          <p:cNvPr id="3" name="Notes Placeholder 2"/>
-          <p:cNvSpPr>
-            <a:spLocks noGrp="1"/>
-          </p:cNvSpPr>
-          <p:nvPr>
-            <p:ph type="body" idx="1"/>
-          </p:nvPr>
-        </p:nvSpPr>
-        <p:spPr/>
-        <p:txBody>
-          <a:bodyPr/>
-          <a:lstStyle/>
-          <a:p>
-            <a:endParaRPr lang="en-US"/>
-          </a:p>
-        </p:txBody>
-      </p:sp>
-      <p:sp>
-        <p:nvSpPr>
-          <p:cNvPr id="4" name="Slide Number Placeholder 3"/>
-          <p:cNvSpPr>
-            <a:spLocks noGrp="1"/>
-          </p:cNvSpPr>
-          <p:nvPr>
-            <p:ph type="sldNum" sz="quarter" idx="5"/>
-          </p:nvPr>
-        </p:nvSpPr>
-        <p:spPr/>
-        <p:txBody>
-          <a:bodyPr/>
-          <a:lstStyle/>
-          <a:p>
-            <a:fld id="{79CE8DFE-8369-463E-B521-4F4A79097E5E}" type="slidenum">
-              <a:rPr lang="en-US" smtClean="0"/>
-              <a:t>12</a:t>
-            </a:fld>
-            <a:endParaRPr lang="en-US"/>
-          </a:p>
-        </p:txBody>
-      </p:sp>
-    </p:spTree>
-    <p:extLst>
-      <p:ext uri="{BB962C8B-B14F-4D97-AF65-F5344CB8AC3E}">
-        <p14:creationId xmlns:p14="http://schemas.microsoft.com/office/powerpoint/2010/main" val="3071999444"/>
-      </p:ext>
-    </p:extLst>
-  </p:cSld>
-  <p:clrMapOvr>
-    <a:masterClrMapping/>
-  </p:clrMapOvr>
-</p:notes>
-</file>
-
-<file path=ppt/notesSlides/notesSlide13.xml><?xml version="1.0" encoding="utf-8"?>
-<p:notes xmlns:a="http://schemas.openxmlformats.org/drawingml/2006/main" xmlns:r="http://schemas.openxmlformats.org/officeDocument/2006/relationships" xmlns:p="http://schemas.openxmlformats.org/presentationml/2006/main">
-  <p:cSld>
-    <p:spTree>
-      <p:nvGrpSpPr>
-        <p:cNvPr id="1" name=""/>
-        <p:cNvGrpSpPr/>
-        <p:nvPr/>
-      </p:nvGrpSpPr>
-      <p:grpSpPr>
-        <a:xfrm>
-          <a:off x="0" y="0"/>
-          <a:ext cx="0" cy="0"/>
-          <a:chOff x="0" y="0"/>
-          <a:chExt cx="0" cy="0"/>
-        </a:xfrm>
-      </p:grpSpPr>
-      <p:sp>
-        <p:nvSpPr>
-          <p:cNvPr id="2" name="Slide Image Placeholder 1"/>
-          <p:cNvSpPr>
-            <a:spLocks noGrp="1" noRot="1" noChangeAspect="1"/>
-          </p:cNvSpPr>
-          <p:nvPr>
-            <p:ph type="sldImg"/>
-          </p:nvPr>
-        </p:nvSpPr>
-        <p:spPr/>
-      </p:sp>
-      <p:sp>
-        <p:nvSpPr>
-          <p:cNvPr id="3" name="Notes Placeholder 2"/>
-          <p:cNvSpPr>
-            <a:spLocks noGrp="1"/>
-          </p:cNvSpPr>
-          <p:nvPr>
-            <p:ph type="body" idx="1"/>
-          </p:nvPr>
-        </p:nvSpPr>
-        <p:spPr/>
-        <p:txBody>
-          <a:bodyPr/>
-          <a:lstStyle/>
-          <a:p>
-            <a:endParaRPr lang="en-US"/>
-          </a:p>
-        </p:txBody>
-      </p:sp>
-      <p:sp>
-        <p:nvSpPr>
-          <p:cNvPr id="4" name="Slide Number Placeholder 3"/>
-          <p:cNvSpPr>
-            <a:spLocks noGrp="1"/>
-          </p:cNvSpPr>
-          <p:nvPr>
-            <p:ph type="sldNum" sz="quarter" idx="5"/>
-          </p:nvPr>
-        </p:nvSpPr>
-        <p:spPr/>
-        <p:txBody>
-          <a:bodyPr/>
-          <a:lstStyle/>
-          <a:p>
-            <a:fld id="{79CE8DFE-8369-463E-B521-4F4A79097E5E}" type="slidenum">
-              <a:rPr lang="en-US" smtClean="0"/>
-              <a:t>13</a:t>
-            </a:fld>
-            <a:endParaRPr lang="en-US"/>
-          </a:p>
-        </p:txBody>
-      </p:sp>
-    </p:spTree>
-    <p:extLst>
-      <p:ext uri="{BB962C8B-B14F-4D97-AF65-F5344CB8AC3E}">
-        <p14:creationId xmlns:p14="http://schemas.microsoft.com/office/powerpoint/2010/main" val="2436435466"/>
+        <p14:creationId xmlns:p14="http://schemas.microsoft.com/office/powerpoint/2010/main" val="2182041154"/>
       </p:ext>
     </p:extLst>
   </p:cSld>
@@ -4542,7 +4290,16 @@
           <a:bodyPr/>
           <a:lstStyle/>
           <a:p>
-            <a:endParaRPr lang="en-US"/>
+            <a:r>
+              <a:rPr lang="en-US" dirty="0"/>
+              <a:t>Please Note these are current prices in relation to a games release date.</a:t>
+            </a:r>
+          </a:p>
+          <a:p>
+            <a:r>
+              <a:rPr lang="en-US" dirty="0"/>
+              <a:t>, so older games are more likely to be sold at a cheaper price than their original price. 2020 also saw the AAA price increase to $69.99 to cover increasing developmental costs post pandemic </a:t>
+            </a:r>
           </a:p>
         </p:txBody>
       </p:sp>
@@ -4734,7 +4491,7 @@
           <a:p>
             <a:fld id="{79CE8DFE-8369-463E-B521-4F4A79097E5E}" type="slidenum">
               <a:rPr lang="en-US" smtClean="0"/>
-              <a:t>7</a:t>
+              <a:t>8</a:t>
             </a:fld>
             <a:endParaRPr lang="en-US"/>
           </a:p>
@@ -4818,7 +4575,7 @@
           <a:p>
             <a:fld id="{79CE8DFE-8369-463E-B521-4F4A79097E5E}" type="slidenum">
               <a:rPr lang="en-US" smtClean="0"/>
-              <a:t>8</a:t>
+              <a:t>9</a:t>
             </a:fld>
             <a:endParaRPr lang="en-US"/>
           </a:p>
@@ -4881,7 +4638,35 @@
           <a:bodyPr/>
           <a:lstStyle/>
           <a:p>
-            <a:endParaRPr lang="en-US"/>
+            <a:r>
+              <a:rPr lang="en-US" dirty="0"/>
+              <a:t>4 of the games are free and are considered Esports</a:t>
+            </a:r>
+          </a:p>
+          <a:p>
+            <a:endParaRPr lang="en-US" dirty="0"/>
+          </a:p>
+          <a:p>
+            <a:r>
+              <a:rPr lang="en-US" dirty="0"/>
+              <a:t>All five games are genre staples: PUBG led Battle Royals, Apex first to implement ‘ping’ system, </a:t>
+            </a:r>
+            <a:r>
+              <a:rPr lang="en-US" dirty="0" err="1"/>
+              <a:t>Palworld</a:t>
+            </a:r>
+            <a:r>
+              <a:rPr lang="en-US" dirty="0"/>
+              <a:t> shook up </a:t>
+            </a:r>
+            <a:r>
+              <a:rPr lang="en-US" dirty="0" err="1"/>
+              <a:t>Pokemon’s</a:t>
+            </a:r>
+            <a:r>
+              <a:rPr lang="en-US" dirty="0"/>
+              <a:t> space</a:t>
+            </a:r>
           </a:p>
         </p:txBody>
       </p:sp>
@@ -4902,7 +4687,7 @@
           <a:p>
             <a:fld id="{79CE8DFE-8369-463E-B521-4F4A79097E5E}" type="slidenum">
               <a:rPr lang="en-US" smtClean="0"/>
-              <a:t>9</a:t>
+              <a:t>10</a:t>
             </a:fld>
             <a:endParaRPr lang="en-US"/>
           </a:p>
@@ -4911,7 +4696,7 @@
     </p:spTree>
     <p:extLst>
       <p:ext uri="{BB962C8B-B14F-4D97-AF65-F5344CB8AC3E}">
-        <p14:creationId xmlns:p14="http://schemas.microsoft.com/office/powerpoint/2010/main" val="3565638155"/>
+        <p14:creationId xmlns:p14="http://schemas.microsoft.com/office/powerpoint/2010/main" val="838023099"/>
       </p:ext>
     </p:extLst>
   </p:cSld>
@@ -5054,7 +4839,7 @@
           <a:p>
             <a:fld id="{EAEAA228-3D50-4B6C-98A8-8C8ABE98BEF0}" type="datetimeFigureOut">
               <a:rPr lang="en-US" smtClean="0"/>
-              <a:t>2/29/2024</a:t>
+              <a:t>3/4/2024</a:t>
             </a:fld>
             <a:endParaRPr lang="en-US"/>
           </a:p>
@@ -5341,7 +5126,7 @@
           <a:p>
             <a:fld id="{EAEAA228-3D50-4B6C-98A8-8C8ABE98BEF0}" type="datetimeFigureOut">
               <a:rPr lang="en-US" smtClean="0"/>
-              <a:t>2/29/2024</a:t>
+              <a:t>3/4/2024</a:t>
             </a:fld>
             <a:endParaRPr lang="en-US"/>
           </a:p>
@@ -5533,7 +5318,7 @@
           <a:p>
             <a:fld id="{EAEAA228-3D50-4B6C-98A8-8C8ABE98BEF0}" type="datetimeFigureOut">
               <a:rPr lang="en-US" smtClean="0"/>
-              <a:t>2/29/2024</a:t>
+              <a:t>3/4/2024</a:t>
             </a:fld>
             <a:endParaRPr lang="en-US"/>
           </a:p>
@@ -5794,7 +5579,7 @@
           <a:p>
             <a:fld id="{EAEAA228-3D50-4B6C-98A8-8C8ABE98BEF0}" type="datetimeFigureOut">
               <a:rPr lang="en-US" smtClean="0"/>
-              <a:t>2/29/2024</a:t>
+              <a:t>3/4/2024</a:t>
             </a:fld>
             <a:endParaRPr lang="en-US"/>
           </a:p>
@@ -6218,7 +6003,7 @@
           <a:p>
             <a:fld id="{EAEAA228-3D50-4B6C-98A8-8C8ABE98BEF0}" type="datetimeFigureOut">
               <a:rPr lang="en-US" smtClean="0"/>
-              <a:t>2/29/2024</a:t>
+              <a:t>3/4/2024</a:t>
             </a:fld>
             <a:endParaRPr lang="en-US"/>
           </a:p>
@@ -6764,7 +6549,7 @@
           <a:p>
             <a:fld id="{EAEAA228-3D50-4B6C-98A8-8C8ABE98BEF0}" type="datetimeFigureOut">
               <a:rPr lang="en-US" smtClean="0"/>
-              <a:t>2/29/2024</a:t>
+              <a:t>3/4/2024</a:t>
             </a:fld>
             <a:endParaRPr lang="en-US"/>
           </a:p>
@@ -7604,7 +7389,7 @@
           <a:p>
             <a:fld id="{EAEAA228-3D50-4B6C-98A8-8C8ABE98BEF0}" type="datetimeFigureOut">
               <a:rPr lang="en-US" smtClean="0"/>
-              <a:t>2/29/2024</a:t>
+              <a:t>3/4/2024</a:t>
             </a:fld>
             <a:endParaRPr lang="en-US"/>
           </a:p>
@@ -7774,7 +7559,7 @@
           <a:p>
             <a:fld id="{EAEAA228-3D50-4B6C-98A8-8C8ABE98BEF0}" type="datetimeFigureOut">
               <a:rPr lang="en-US" smtClean="0"/>
-              <a:t>2/29/2024</a:t>
+              <a:t>3/4/2024</a:t>
             </a:fld>
             <a:endParaRPr lang="en-US"/>
           </a:p>
@@ -7958,7 +7743,7 @@
           <a:p>
             <a:fld id="{EAEAA228-3D50-4B6C-98A8-8C8ABE98BEF0}" type="datetimeFigureOut">
               <a:rPr lang="en-US" smtClean="0"/>
-              <a:t>2/29/2024</a:t>
+              <a:t>3/4/2024</a:t>
             </a:fld>
             <a:endParaRPr lang="en-US"/>
           </a:p>
@@ -8128,7 +7913,7 @@
           <a:p>
             <a:fld id="{EAEAA228-3D50-4B6C-98A8-8C8ABE98BEF0}" type="datetimeFigureOut">
               <a:rPr lang="en-US" smtClean="0"/>
-              <a:t>2/29/2024</a:t>
+              <a:t>3/4/2024</a:t>
             </a:fld>
             <a:endParaRPr lang="en-US"/>
           </a:p>
@@ -8376,7 +8161,7 @@
           <a:p>
             <a:fld id="{EAEAA228-3D50-4B6C-98A8-8C8ABE98BEF0}" type="datetimeFigureOut">
               <a:rPr lang="en-US" smtClean="0"/>
-              <a:t>2/29/2024</a:t>
+              <a:t>3/4/2024</a:t>
             </a:fld>
             <a:endParaRPr lang="en-US"/>
           </a:p>
@@ -8613,7 +8398,7 @@
           <a:p>
             <a:fld id="{EAEAA228-3D50-4B6C-98A8-8C8ABE98BEF0}" type="datetimeFigureOut">
               <a:rPr lang="en-US" smtClean="0"/>
-              <a:t>2/29/2024</a:t>
+              <a:t>3/4/2024</a:t>
             </a:fld>
             <a:endParaRPr lang="en-US"/>
           </a:p>
@@ -8986,7 +8771,7 @@
           <a:p>
             <a:fld id="{EAEAA228-3D50-4B6C-98A8-8C8ABE98BEF0}" type="datetimeFigureOut">
               <a:rPr lang="en-US" smtClean="0"/>
-              <a:t>2/29/2024</a:t>
+              <a:t>3/4/2024</a:t>
             </a:fld>
             <a:endParaRPr lang="en-US"/>
           </a:p>
@@ -9104,7 +8889,7 @@
           <a:p>
             <a:fld id="{EAEAA228-3D50-4B6C-98A8-8C8ABE98BEF0}" type="datetimeFigureOut">
               <a:rPr lang="en-US" smtClean="0"/>
-              <a:t>2/29/2024</a:t>
+              <a:t>3/4/2024</a:t>
             </a:fld>
             <a:endParaRPr lang="en-US"/>
           </a:p>
@@ -9199,7 +8984,7 @@
           <a:p>
             <a:fld id="{EAEAA228-3D50-4B6C-98A8-8C8ABE98BEF0}" type="datetimeFigureOut">
               <a:rPr lang="en-US" smtClean="0"/>
-              <a:t>2/29/2024</a:t>
+              <a:t>3/4/2024</a:t>
             </a:fld>
             <a:endParaRPr lang="en-US"/>
           </a:p>
@@ -9450,7 +9235,7 @@
           <a:p>
             <a:fld id="{EAEAA228-3D50-4B6C-98A8-8C8ABE98BEF0}" type="datetimeFigureOut">
               <a:rPr lang="en-US" smtClean="0"/>
-              <a:t>2/29/2024</a:t>
+              <a:t>3/4/2024</a:t>
             </a:fld>
             <a:endParaRPr lang="en-US"/>
           </a:p>
@@ -9737,7 +9522,7 @@
           <a:p>
             <a:fld id="{EAEAA228-3D50-4B6C-98A8-8C8ABE98BEF0}" type="datetimeFigureOut">
               <a:rPr lang="en-US" smtClean="0"/>
-              <a:t>2/29/2024</a:t>
+              <a:t>3/4/2024</a:t>
             </a:fld>
             <a:endParaRPr lang="en-US"/>
           </a:p>
@@ -9950,7 +9735,7 @@
           <a:p>
             <a:fld id="{EAEAA228-3D50-4B6C-98A8-8C8ABE98BEF0}" type="datetimeFigureOut">
               <a:rPr lang="en-US" smtClean="0"/>
-              <a:t>2/29/2024</a:t>
+              <a:t>3/4/2024</a:t>
             </a:fld>
             <a:endParaRPr lang="en-US"/>
           </a:p>
@@ -10876,37 +10661,9 @@
 <file path=ppt/slides/slide10.xml><?xml version="1.0" encoding="utf-8"?>
 <p:sld xmlns:a="http://schemas.openxmlformats.org/drawingml/2006/main" xmlns:r="http://schemas.openxmlformats.org/officeDocument/2006/relationships" xmlns:p="http://schemas.openxmlformats.org/presentationml/2006/main">
   <p:cSld>
-    <p:bg>
-      <p:bgPr>
-        <a:blipFill rotWithShape="1">
-          <a:blip r:embed="rId3">
-            <a:duotone>
-              <a:schemeClr val="bg2">
-                <a:shade val="18000"/>
-                <a:satMod val="160000"/>
-                <a:lumMod val="28000"/>
-              </a:schemeClr>
-              <a:schemeClr val="bg2">
-                <a:tint val="95000"/>
-                <a:satMod val="160000"/>
-                <a:lumMod val="116000"/>
-              </a:schemeClr>
-            </a:duotone>
-          </a:blip>
-          <a:stretch/>
-        </a:blipFill>
-        <a:effectLst/>
-      </p:bgPr>
-    </p:bg>
     <p:spTree>
       <p:nvGrpSpPr>
-        <p:cNvPr id="1" name="">
-          <a:extLst>
-            <a:ext uri="{FF2B5EF4-FFF2-40B4-BE49-F238E27FC236}">
-              <a16:creationId xmlns:a16="http://schemas.microsoft.com/office/drawing/2014/main" id="{10924475-F362-1176-3C59-484AE8CB33BD}"/>
-            </a:ext>
-          </a:extLst>
-        </p:cNvPr>
+        <p:cNvPr id="1" name=""/>
         <p:cNvGrpSpPr/>
         <p:nvPr/>
       </p:nvGrpSpPr>
@@ -10923,7 +10680,7 @@
           <p:cNvPr id="2" name="Title 1">
             <a:extLst>
               <a:ext uri="{FF2B5EF4-FFF2-40B4-BE49-F238E27FC236}">
-                <a16:creationId xmlns:a16="http://schemas.microsoft.com/office/drawing/2014/main" id="{BF3C80F1-8CC2-8ECA-00C2-B815FEADE0B7}"/>
+                <a16:creationId xmlns:a16="http://schemas.microsoft.com/office/drawing/2014/main" id="{9C9037FF-7414-24A5-DC3F-B7F974CA929D}"/>
               </a:ext>
             </a:extLst>
           </p:cNvPr>
@@ -10934,263 +10691,380 @@
             <p:ph type="title"/>
           </p:nvPr>
         </p:nvSpPr>
-        <p:spPr>
-          <a:xfrm>
-            <a:off x="913795" y="609600"/>
-            <a:ext cx="10353761" cy="1326321"/>
-          </a:xfrm>
-        </p:spPr>
-        <p:txBody>
-          <a:bodyPr vert="horz" lIns="91440" tIns="45720" rIns="91440" bIns="45720" rtlCol="0" anchor="ctr">
-            <a:normAutofit/>
-          </a:bodyPr>
+        <p:spPr/>
+        <p:txBody>
+          <a:bodyPr/>
           <a:lstStyle/>
           <a:p>
             <a:r>
               <a:rPr lang="en-US" dirty="0"/>
-              <a:t>Dota 2</a:t>
+              <a:t>Top 5 games Overview</a:t>
             </a:r>
           </a:p>
         </p:txBody>
       </p:sp>
-      <p:sp>
-        <p:nvSpPr>
-          <p:cNvPr id="4" name="TextBox 3">
+      <p:graphicFrame>
+        <p:nvGraphicFramePr>
+          <p:cNvPr id="3" name="Table 2">
             <a:extLst>
               <a:ext uri="{FF2B5EF4-FFF2-40B4-BE49-F238E27FC236}">
-                <a16:creationId xmlns:a16="http://schemas.microsoft.com/office/drawing/2014/main" id="{7F3554C1-1043-E226-8E49-CA3C0E4F74C6}"/>
+                <a16:creationId xmlns:a16="http://schemas.microsoft.com/office/drawing/2014/main" id="{D0941893-3337-AD3C-82F5-BB2B1377B7D1}"/>
               </a:ext>
             </a:extLst>
           </p:cNvPr>
-          <p:cNvSpPr txBox="1"/>
+          <p:cNvGraphicFramePr>
+            <a:graphicFrameLocks noGrp="1"/>
+          </p:cNvGraphicFramePr>
+          <p:nvPr>
+            <p:extLst>
+              <p:ext uri="{D42A27DB-BD31-4B8C-83A1-F6EECF244321}">
+                <p14:modId xmlns:p14="http://schemas.microsoft.com/office/powerpoint/2010/main" val="3420032727"/>
+              </p:ext>
+            </p:extLst>
+          </p:nvPr>
+        </p:nvGraphicFramePr>
+        <p:xfrm>
+          <a:off x="914400" y="3028950"/>
+          <a:ext cx="10353675" cy="731520"/>
+        </p:xfrm>
+        <a:graphic>
+          <a:graphicData uri="http://schemas.openxmlformats.org/drawingml/2006/table">
+            <a:tbl>
+              <a:tblPr/>
+              <a:tblGrid>
+                <a:gridCol w="10353675">
+                  <a:extLst>
+                    <a:ext uri="{9D8B030D-6E8A-4147-A177-3AD203B41FA5}">
+                      <a16:colId xmlns:a16="http://schemas.microsoft.com/office/drawing/2014/main" val="1693951817"/>
+                    </a:ext>
+                  </a:extLst>
+                </a:gridCol>
+              </a:tblGrid>
+              <a:tr h="0">
+                <a:tc>
+                  <a:txBody>
+                    <a:bodyPr/>
+                    <a:lstStyle/>
+                    <a:p>
+                      <a:endParaRPr lang="en-US"/>
+                    </a:p>
+                  </a:txBody>
+                  <a:tcPr anchor="ctr">
+                    <a:lnL>
+                      <a:noFill/>
+                    </a:lnL>
+                    <a:lnR>
+                      <a:noFill/>
+                    </a:lnR>
+                    <a:lnT>
+                      <a:noFill/>
+                    </a:lnT>
+                    <a:lnB>
+                      <a:noFill/>
+                    </a:lnB>
+                    <a:noFill/>
+                  </a:tcPr>
+                </a:tc>
+                <a:extLst>
+                  <a:ext uri="{0D108BD9-81ED-4DB2-BD59-A6C34878D82A}">
+                    <a16:rowId xmlns:a16="http://schemas.microsoft.com/office/drawing/2014/main" val="4271798271"/>
+                  </a:ext>
+                </a:extLst>
+              </a:tr>
+              <a:tr h="0">
+                <a:tc>
+                  <a:txBody>
+                    <a:bodyPr/>
+                    <a:lstStyle/>
+                    <a:p>
+                      <a:endParaRPr lang="en-US" dirty="0"/>
+                    </a:p>
+                  </a:txBody>
+                  <a:tcPr anchor="ctr">
+                    <a:lnL>
+                      <a:noFill/>
+                    </a:lnL>
+                    <a:lnR>
+                      <a:noFill/>
+                    </a:lnR>
+                    <a:lnT>
+                      <a:noFill/>
+                    </a:lnT>
+                    <a:lnB>
+                      <a:noFill/>
+                    </a:lnB>
+                    <a:noFill/>
+                  </a:tcPr>
+                </a:tc>
+                <a:extLst>
+                  <a:ext uri="{0D108BD9-81ED-4DB2-BD59-A6C34878D82A}">
+                    <a16:rowId xmlns:a16="http://schemas.microsoft.com/office/drawing/2014/main" val="2820288341"/>
+                  </a:ext>
+                </a:extLst>
+              </a:tr>
+            </a:tbl>
+          </a:graphicData>
+        </a:graphic>
+      </p:graphicFrame>
+      <p:graphicFrame>
+        <p:nvGraphicFramePr>
+          <p:cNvPr id="4" name="Table 3">
+            <a:extLst>
+              <a:ext uri="{FF2B5EF4-FFF2-40B4-BE49-F238E27FC236}">
+                <a16:creationId xmlns:a16="http://schemas.microsoft.com/office/drawing/2014/main" id="{6E85C1F1-9608-97B3-4DBC-000D275FDCA4}"/>
+              </a:ext>
+            </a:extLst>
+          </p:cNvPr>
+          <p:cNvGraphicFramePr>
+            <a:graphicFrameLocks noGrp="1"/>
+          </p:cNvGraphicFramePr>
+          <p:nvPr>
+            <p:extLst>
+              <p:ext uri="{D42A27DB-BD31-4B8C-83A1-F6EECF244321}">
+                <p14:modId xmlns:p14="http://schemas.microsoft.com/office/powerpoint/2010/main" val="3405814888"/>
+              </p:ext>
+            </p:extLst>
+          </p:nvPr>
+        </p:nvGraphicFramePr>
+        <p:xfrm>
+          <a:off x="914400" y="3028950"/>
+          <a:ext cx="10353675" cy="731520"/>
+        </p:xfrm>
+        <a:graphic>
+          <a:graphicData uri="http://schemas.openxmlformats.org/drawingml/2006/table">
+            <a:tbl>
+              <a:tblPr/>
+              <a:tblGrid>
+                <a:gridCol w="10353675">
+                  <a:extLst>
+                    <a:ext uri="{9D8B030D-6E8A-4147-A177-3AD203B41FA5}">
+                      <a16:colId xmlns:a16="http://schemas.microsoft.com/office/drawing/2014/main" val="2623380202"/>
+                    </a:ext>
+                  </a:extLst>
+                </a:gridCol>
+              </a:tblGrid>
+              <a:tr h="0">
+                <a:tc>
+                  <a:txBody>
+                    <a:bodyPr/>
+                    <a:lstStyle/>
+                    <a:p>
+                      <a:endParaRPr lang="en-US"/>
+                    </a:p>
+                  </a:txBody>
+                  <a:tcPr anchor="ctr">
+                    <a:lnL>
+                      <a:noFill/>
+                    </a:lnL>
+                    <a:lnR>
+                      <a:noFill/>
+                    </a:lnR>
+                    <a:lnT>
+                      <a:noFill/>
+                    </a:lnT>
+                    <a:lnB>
+                      <a:noFill/>
+                    </a:lnB>
+                    <a:noFill/>
+                  </a:tcPr>
+                </a:tc>
+                <a:extLst>
+                  <a:ext uri="{0D108BD9-81ED-4DB2-BD59-A6C34878D82A}">
+                    <a16:rowId xmlns:a16="http://schemas.microsoft.com/office/drawing/2014/main" val="379171299"/>
+                  </a:ext>
+                </a:extLst>
+              </a:tr>
+              <a:tr h="0">
+                <a:tc>
+                  <a:txBody>
+                    <a:bodyPr/>
+                    <a:lstStyle/>
+                    <a:p>
+                      <a:endParaRPr lang="en-US" dirty="0"/>
+                    </a:p>
+                  </a:txBody>
+                  <a:tcPr anchor="ctr">
+                    <a:lnL>
+                      <a:noFill/>
+                    </a:lnL>
+                    <a:lnR>
+                      <a:noFill/>
+                    </a:lnR>
+                    <a:lnT>
+                      <a:noFill/>
+                    </a:lnT>
+                    <a:lnB>
+                      <a:noFill/>
+                    </a:lnB>
+                    <a:noFill/>
+                  </a:tcPr>
+                </a:tc>
+                <a:extLst>
+                  <a:ext uri="{0D108BD9-81ED-4DB2-BD59-A6C34878D82A}">
+                    <a16:rowId xmlns:a16="http://schemas.microsoft.com/office/drawing/2014/main" val="2375034064"/>
+                  </a:ext>
+                </a:extLst>
+              </a:tr>
+            </a:tbl>
+          </a:graphicData>
+        </a:graphic>
+      </p:graphicFrame>
+      <p:pic>
+        <p:nvPicPr>
+          <p:cNvPr id="5122" name="Picture 2" descr="Total Positive Reviews">
+            <a:extLst>
+              <a:ext uri="{FF2B5EF4-FFF2-40B4-BE49-F238E27FC236}">
+                <a16:creationId xmlns:a16="http://schemas.microsoft.com/office/drawing/2014/main" id="{8373A682-61F2-1355-6A36-F673640C6239}"/>
+              </a:ext>
+            </a:extLst>
+          </p:cNvPr>
+          <p:cNvPicPr>
+            <a:picLocks noChangeAspect="1" noChangeArrowheads="1"/>
+          </p:cNvPicPr>
           <p:nvPr/>
-        </p:nvSpPr>
-        <p:spPr>
+        </p:nvPicPr>
+        <p:blipFill>
+          <a:blip r:embed="rId3">
+            <a:extLst>
+              <a:ext uri="{28A0092B-C50C-407E-A947-70E740481C1C}">
+                <a14:useLocalDpi xmlns:a14="http://schemas.microsoft.com/office/drawing/2010/main" val="0"/>
+              </a:ext>
+            </a:extLst>
+          </a:blip>
+          <a:srcRect/>
+          <a:stretch>
+            <a:fillRect/>
+          </a:stretch>
+        </p:blipFill>
+        <p:spPr bwMode="auto">
           <a:xfrm>
-            <a:off x="913795" y="2096064"/>
-            <a:ext cx="5016860" cy="3695136"/>
+            <a:off x="913795" y="1931670"/>
+            <a:ext cx="4743450" cy="3657600"/>
           </a:xfrm>
           <a:prstGeom prst="rect">
             <a:avLst/>
           </a:prstGeom>
+          <a:noFill/>
+          <a:extLst>
+            <a:ext uri="{909E8E84-426E-40DD-AFC4-6F175D3DCCD1}">
+              <a14:hiddenFill xmlns:a14="http://schemas.microsoft.com/office/drawing/2010/main">
+                <a:solidFill>
+                  <a:srgbClr val="FFFFFF"/>
+                </a:solidFill>
+              </a14:hiddenFill>
+            </a:ext>
+          </a:extLst>
         </p:spPr>
-        <p:txBody>
-          <a:bodyPr vert="horz" lIns="91440" tIns="45720" rIns="91440" bIns="45720" rtlCol="0">
-            <a:normAutofit/>
-          </a:bodyPr>
-          <a:lstStyle/>
-          <a:p>
-            <a:pPr marL="285750" indent="-228600" defTabSz="914400">
-              <a:lnSpc>
-                <a:spcPct val="120000"/>
-              </a:lnSpc>
-              <a:spcAft>
-                <a:spcPts val="600"/>
-              </a:spcAft>
-              <a:buFont typeface="Arial" panose="020B0604020202020204" pitchFamily="34" charset="0"/>
-              <a:buChar char="•"/>
-            </a:pPr>
-            <a:r>
-              <a:rPr lang="en-US">
-                <a:effectLst>
-                  <a:outerShdw blurRad="50800" dist="38100" dir="2700000" algn="tl" rotWithShape="0">
-                    <a:srgbClr val="000000">
-                      <a:alpha val="48000"/>
-                    </a:srgbClr>
-                  </a:outerShdw>
-                </a:effectLst>
-              </a:rPr>
-              <a:t>Multiplayer Online Battle Arena(MOBA)</a:t>
-            </a:r>
-          </a:p>
-          <a:p>
-            <a:pPr marL="285750" indent="-228600" defTabSz="914400">
-              <a:lnSpc>
-                <a:spcPct val="120000"/>
-              </a:lnSpc>
-              <a:spcAft>
-                <a:spcPts val="600"/>
-              </a:spcAft>
-              <a:buFont typeface="Arial" panose="020B0604020202020204" pitchFamily="34" charset="0"/>
-              <a:buChar char="•"/>
-            </a:pPr>
-            <a:endParaRPr lang="en-US">
-              <a:effectLst>
-                <a:outerShdw blurRad="50800" dist="38100" dir="2700000" algn="tl" rotWithShape="0">
-                  <a:srgbClr val="000000">
-                    <a:alpha val="48000"/>
-                  </a:srgbClr>
-                </a:outerShdw>
-              </a:effectLst>
-            </a:endParaRPr>
-          </a:p>
-          <a:p>
-            <a:pPr marL="285750" indent="-228600" defTabSz="914400">
-              <a:lnSpc>
-                <a:spcPct val="120000"/>
-              </a:lnSpc>
-              <a:spcAft>
-                <a:spcPts val="600"/>
-              </a:spcAft>
-              <a:buFont typeface="Arial" panose="020B0604020202020204" pitchFamily="34" charset="0"/>
-              <a:buChar char="•"/>
-            </a:pPr>
-            <a:r>
-              <a:rPr lang="en-US">
-                <a:effectLst>
-                  <a:outerShdw blurRad="50800" dist="38100" dir="2700000" algn="tl" rotWithShape="0">
-                    <a:srgbClr val="000000">
-                      <a:alpha val="48000"/>
-                    </a:srgbClr>
-                  </a:outerShdw>
-                </a:effectLst>
-              </a:rPr>
-              <a:t>Sequel to community made mod</a:t>
-            </a:r>
-          </a:p>
-          <a:p>
-            <a:pPr marL="285750" indent="-228600" defTabSz="914400">
-              <a:lnSpc>
-                <a:spcPct val="120000"/>
-              </a:lnSpc>
-              <a:spcAft>
-                <a:spcPts val="600"/>
-              </a:spcAft>
-              <a:buFont typeface="Arial" panose="020B0604020202020204" pitchFamily="34" charset="0"/>
-              <a:buChar char="•"/>
-            </a:pPr>
-            <a:endParaRPr lang="en-US">
-              <a:effectLst>
-                <a:outerShdw blurRad="50800" dist="38100" dir="2700000" algn="tl" rotWithShape="0">
-                  <a:srgbClr val="000000">
-                    <a:alpha val="48000"/>
-                  </a:srgbClr>
-                </a:outerShdw>
-              </a:effectLst>
-            </a:endParaRPr>
-          </a:p>
-          <a:p>
-            <a:pPr marL="285750" indent="-228600" defTabSz="914400">
-              <a:lnSpc>
-                <a:spcPct val="120000"/>
-              </a:lnSpc>
-              <a:spcAft>
-                <a:spcPts val="600"/>
-              </a:spcAft>
-              <a:buFont typeface="Arial" panose="020B0604020202020204" pitchFamily="34" charset="0"/>
-              <a:buChar char="•"/>
-            </a:pPr>
-            <a:r>
-              <a:rPr lang="en-US">
-                <a:effectLst>
-                  <a:outerShdw blurRad="50800" dist="38100" dir="2700000" algn="tl" rotWithShape="0">
-                    <a:srgbClr val="000000">
-                      <a:alpha val="48000"/>
-                    </a:srgbClr>
-                  </a:outerShdw>
-                </a:effectLst>
-              </a:rPr>
-              <a:t>Esports</a:t>
-            </a:r>
-          </a:p>
-          <a:p>
-            <a:pPr marL="285750" indent="-228600" defTabSz="914400">
-              <a:lnSpc>
-                <a:spcPct val="120000"/>
-              </a:lnSpc>
-              <a:spcAft>
-                <a:spcPts val="600"/>
-              </a:spcAft>
-              <a:buFont typeface="Arial" panose="020B0604020202020204" pitchFamily="34" charset="0"/>
-              <a:buChar char="•"/>
-            </a:pPr>
-            <a:endParaRPr lang="en-US">
-              <a:effectLst>
-                <a:outerShdw blurRad="50800" dist="38100" dir="2700000" algn="tl" rotWithShape="0">
-                  <a:srgbClr val="000000">
-                    <a:alpha val="48000"/>
-                  </a:srgbClr>
-                </a:outerShdw>
-              </a:effectLst>
-            </a:endParaRPr>
-          </a:p>
-          <a:p>
-            <a:pPr marL="285750" indent="-228600" defTabSz="914400">
-              <a:lnSpc>
-                <a:spcPct val="120000"/>
-              </a:lnSpc>
-              <a:spcAft>
-                <a:spcPts val="600"/>
-              </a:spcAft>
-              <a:buFont typeface="Arial" panose="020B0604020202020204" pitchFamily="34" charset="0"/>
-              <a:buChar char="•"/>
-            </a:pPr>
-            <a:r>
-              <a:rPr lang="en-US">
-                <a:effectLst>
-                  <a:outerShdw blurRad="50800" dist="38100" dir="2700000" algn="tl" rotWithShape="0">
-                    <a:srgbClr val="000000">
-                      <a:alpha val="48000"/>
-                    </a:srgbClr>
-                  </a:outerShdw>
-                </a:effectLst>
-              </a:rPr>
-              <a:t>Free-to-play</a:t>
-            </a:r>
-          </a:p>
-          <a:p>
-            <a:pPr marL="285750" indent="-228600" defTabSz="914400">
-              <a:lnSpc>
-                <a:spcPct val="120000"/>
-              </a:lnSpc>
-              <a:spcAft>
-                <a:spcPts val="600"/>
-              </a:spcAft>
-              <a:buFont typeface="Arial" panose="020B0604020202020204" pitchFamily="34" charset="0"/>
-              <a:buChar char="•"/>
-            </a:pPr>
-            <a:endParaRPr lang="en-US">
-              <a:effectLst>
-                <a:outerShdw blurRad="50800" dist="38100" dir="2700000" algn="tl" rotWithShape="0">
-                  <a:srgbClr val="000000">
-                    <a:alpha val="48000"/>
-                  </a:srgbClr>
-                </a:outerShdw>
-              </a:effectLst>
-            </a:endParaRPr>
-          </a:p>
-          <a:p>
-            <a:pPr marL="285750" indent="-228600" defTabSz="914400">
-              <a:lnSpc>
-                <a:spcPct val="120000"/>
-              </a:lnSpc>
-              <a:spcAft>
-                <a:spcPts val="600"/>
-              </a:spcAft>
-              <a:buFont typeface="Arial" panose="020B0604020202020204" pitchFamily="34" charset="0"/>
-              <a:buChar char="•"/>
-            </a:pPr>
-            <a:r>
-              <a:rPr lang="en-US">
-                <a:effectLst>
-                  <a:outerShdw blurRad="50800" dist="38100" dir="2700000" algn="tl" rotWithShape="0">
-                    <a:srgbClr val="000000">
-                      <a:alpha val="48000"/>
-                    </a:srgbClr>
-                  </a:outerShdw>
-                </a:effectLst>
-              </a:rPr>
-              <a:t>Most played game 2014-2017</a:t>
-            </a:r>
-          </a:p>
-        </p:txBody>
-      </p:sp>
+      </p:pic>
+      <p:graphicFrame>
+        <p:nvGraphicFramePr>
+          <p:cNvPr id="5" name="Table 4">
+            <a:extLst>
+              <a:ext uri="{FF2B5EF4-FFF2-40B4-BE49-F238E27FC236}">
+                <a16:creationId xmlns:a16="http://schemas.microsoft.com/office/drawing/2014/main" id="{F53B2C06-FA79-B639-F1D7-F7D5CAFBE16B}"/>
+              </a:ext>
+            </a:extLst>
+          </p:cNvPr>
+          <p:cNvGraphicFramePr>
+            <a:graphicFrameLocks noGrp="1"/>
+          </p:cNvGraphicFramePr>
+          <p:nvPr>
+            <p:extLst>
+              <p:ext uri="{D42A27DB-BD31-4B8C-83A1-F6EECF244321}">
+                <p14:modId xmlns:p14="http://schemas.microsoft.com/office/powerpoint/2010/main" val="4136176790"/>
+              </p:ext>
+            </p:extLst>
+          </p:nvPr>
+        </p:nvGraphicFramePr>
+        <p:xfrm>
+          <a:off x="914400" y="3028950"/>
+          <a:ext cx="10353675" cy="731520"/>
+        </p:xfrm>
+        <a:graphic>
+          <a:graphicData uri="http://schemas.openxmlformats.org/drawingml/2006/table">
+            <a:tbl>
+              <a:tblPr/>
+              <a:tblGrid>
+                <a:gridCol w="10353675">
+                  <a:extLst>
+                    <a:ext uri="{9D8B030D-6E8A-4147-A177-3AD203B41FA5}">
+                      <a16:colId xmlns:a16="http://schemas.microsoft.com/office/drawing/2014/main" val="4220867103"/>
+                    </a:ext>
+                  </a:extLst>
+                </a:gridCol>
+              </a:tblGrid>
+              <a:tr h="0">
+                <a:tc>
+                  <a:txBody>
+                    <a:bodyPr/>
+                    <a:lstStyle/>
+                    <a:p>
+                      <a:endParaRPr lang="en-US"/>
+                    </a:p>
+                  </a:txBody>
+                  <a:tcPr anchor="ctr">
+                    <a:lnL>
+                      <a:noFill/>
+                    </a:lnL>
+                    <a:lnR>
+                      <a:noFill/>
+                    </a:lnR>
+                    <a:lnT>
+                      <a:noFill/>
+                    </a:lnT>
+                    <a:lnB>
+                      <a:noFill/>
+                    </a:lnB>
+                    <a:noFill/>
+                  </a:tcPr>
+                </a:tc>
+                <a:extLst>
+                  <a:ext uri="{0D108BD9-81ED-4DB2-BD59-A6C34878D82A}">
+                    <a16:rowId xmlns:a16="http://schemas.microsoft.com/office/drawing/2014/main" val="1924056313"/>
+                  </a:ext>
+                </a:extLst>
+              </a:tr>
+              <a:tr h="0">
+                <a:tc>
+                  <a:txBody>
+                    <a:bodyPr/>
+                    <a:lstStyle/>
+                    <a:p>
+                      <a:endParaRPr lang="en-US" dirty="0"/>
+                    </a:p>
+                  </a:txBody>
+                  <a:tcPr anchor="ctr">
+                    <a:lnL>
+                      <a:noFill/>
+                    </a:lnL>
+                    <a:lnR>
+                      <a:noFill/>
+                    </a:lnR>
+                    <a:lnT>
+                      <a:noFill/>
+                    </a:lnT>
+                    <a:lnB>
+                      <a:noFill/>
+                    </a:lnB>
+                    <a:noFill/>
+                  </a:tcPr>
+                </a:tc>
+                <a:extLst>
+                  <a:ext uri="{0D108BD9-81ED-4DB2-BD59-A6C34878D82A}">
+                    <a16:rowId xmlns:a16="http://schemas.microsoft.com/office/drawing/2014/main" val="2933435284"/>
+                  </a:ext>
+                </a:extLst>
+              </a:tr>
+            </a:tbl>
+          </a:graphicData>
+        </a:graphic>
+      </p:graphicFrame>
       <p:pic>
         <p:nvPicPr>
-          <p:cNvPr id="7169" name="Picture 1" descr="Dota 2">
+          <p:cNvPr id="5123" name="Picture 3" descr="Average Playtime(Min)">
             <a:extLst>
               <a:ext uri="{FF2B5EF4-FFF2-40B4-BE49-F238E27FC236}">
-                <a16:creationId xmlns:a16="http://schemas.microsoft.com/office/drawing/2014/main" id="{19B32240-6DEA-EBE8-552F-FEB923252D1A}"/>
+                <a16:creationId xmlns:a16="http://schemas.microsoft.com/office/drawing/2014/main" id="{B9A30757-837F-7B23-6BE6-788B65A2516E}"/>
               </a:ext>
             </a:extLst>
           </p:cNvPr>
@@ -11207,41 +11081,20 @@
               </a:ext>
             </a:extLst>
           </a:blip>
+          <a:srcRect/>
           <a:stretch>
             <a:fillRect/>
           </a:stretch>
         </p:blipFill>
         <p:spPr bwMode="auto">
           <a:xfrm>
-            <a:off x="6357257" y="3335243"/>
-            <a:ext cx="4833257" cy="1244563"/>
+            <a:off x="6438900" y="1940453"/>
+            <a:ext cx="4838700" cy="3657600"/>
           </a:xfrm>
           <a:prstGeom prst="rect">
             <a:avLst/>
           </a:prstGeom>
           <a:noFill/>
-          <a:ln w="190500" cap="sq">
-            <a:solidFill>
-              <a:srgbClr val="FFFFFF"/>
-            </a:solidFill>
-            <a:miter lim="800000"/>
-          </a:ln>
-          <a:effectLst>
-            <a:outerShdw blurRad="54991" dist="17780" dir="5400000" algn="ctr" rotWithShape="0">
-              <a:schemeClr val="bg1">
-                <a:alpha val="40000"/>
-              </a:schemeClr>
-            </a:outerShdw>
-          </a:effectLst>
-          <a:scene3d>
-            <a:camera prst="orthographicFront"/>
-            <a:lightRig rig="twoPt" dir="t">
-              <a:rot lat="0" lon="0" rev="7200000"/>
-            </a:lightRig>
-          </a:scene3d>
-          <a:sp3d>
-            <a:bevelT w="25400" h="19050"/>
-          </a:sp3d>
           <a:extLst>
             <a:ext uri="{909E8E84-426E-40DD-AFC4-6F175D3DCCD1}">
               <a14:hiddenFill xmlns:a14="http://schemas.microsoft.com/office/drawing/2010/main">
@@ -11256,7 +11109,7 @@
     </p:spTree>
     <p:extLst>
       <p:ext uri="{BB962C8B-B14F-4D97-AF65-F5344CB8AC3E}">
-        <p14:creationId xmlns:p14="http://schemas.microsoft.com/office/powerpoint/2010/main" val="3316466315"/>
+        <p14:creationId xmlns:p14="http://schemas.microsoft.com/office/powerpoint/2010/main" val="1474614787"/>
       </p:ext>
     </p:extLst>
   </p:cSld>
@@ -11267,1210 +11120,6 @@
 </file>
 
 <file path=ppt/slides/slide11.xml><?xml version="1.0" encoding="utf-8"?>
-<p:sld xmlns:a="http://schemas.openxmlformats.org/drawingml/2006/main" xmlns:r="http://schemas.openxmlformats.org/officeDocument/2006/relationships" xmlns:p="http://schemas.openxmlformats.org/presentationml/2006/main">
-  <p:cSld>
-    <p:bg>
-      <p:bgPr>
-        <a:blipFill rotWithShape="1">
-          <a:blip r:embed="rId3">
-            <a:duotone>
-              <a:schemeClr val="bg2">
-                <a:shade val="18000"/>
-                <a:satMod val="160000"/>
-                <a:lumMod val="28000"/>
-              </a:schemeClr>
-              <a:schemeClr val="bg2">
-                <a:tint val="95000"/>
-                <a:satMod val="160000"/>
-                <a:lumMod val="116000"/>
-              </a:schemeClr>
-            </a:duotone>
-          </a:blip>
-          <a:stretch/>
-        </a:blipFill>
-        <a:effectLst/>
-      </p:bgPr>
-    </p:bg>
-    <p:spTree>
-      <p:nvGrpSpPr>
-        <p:cNvPr id="1" name="">
-          <a:extLst>
-            <a:ext uri="{FF2B5EF4-FFF2-40B4-BE49-F238E27FC236}">
-              <a16:creationId xmlns:a16="http://schemas.microsoft.com/office/drawing/2014/main" id="{DAF0F2CF-CF75-2074-08D3-838FCC728BBE}"/>
-            </a:ext>
-          </a:extLst>
-        </p:cNvPr>
-        <p:cNvGrpSpPr/>
-        <p:nvPr/>
-      </p:nvGrpSpPr>
-      <p:grpSpPr>
-        <a:xfrm>
-          <a:off x="0" y="0"/>
-          <a:ext cx="0" cy="0"/>
-          <a:chOff x="0" y="0"/>
-          <a:chExt cx="0" cy="0"/>
-        </a:xfrm>
-      </p:grpSpPr>
-      <p:sp>
-        <p:nvSpPr>
-          <p:cNvPr id="2" name="Title 1">
-            <a:extLst>
-              <a:ext uri="{FF2B5EF4-FFF2-40B4-BE49-F238E27FC236}">
-                <a16:creationId xmlns:a16="http://schemas.microsoft.com/office/drawing/2014/main" id="{CE15447E-629C-CF06-EAE1-21965A18E154}"/>
-              </a:ext>
-            </a:extLst>
-          </p:cNvPr>
-          <p:cNvSpPr>
-            <a:spLocks noGrp="1"/>
-          </p:cNvSpPr>
-          <p:nvPr>
-            <p:ph type="title"/>
-          </p:nvPr>
-        </p:nvSpPr>
-        <p:spPr>
-          <a:xfrm>
-            <a:off x="913795" y="609600"/>
-            <a:ext cx="10353761" cy="1326321"/>
-          </a:xfrm>
-        </p:spPr>
-        <p:txBody>
-          <a:bodyPr vert="horz" lIns="91440" tIns="45720" rIns="91440" bIns="45720" rtlCol="0" anchor="ctr">
-            <a:normAutofit/>
-          </a:bodyPr>
-          <a:lstStyle/>
-          <a:p>
-            <a:r>
-              <a:rPr lang="en-US" dirty="0"/>
-              <a:t>PUBG: BATTLEGROUNDS</a:t>
-            </a:r>
-          </a:p>
-        </p:txBody>
-      </p:sp>
-      <p:sp>
-        <p:nvSpPr>
-          <p:cNvPr id="4" name="TextBox 3">
-            <a:extLst>
-              <a:ext uri="{FF2B5EF4-FFF2-40B4-BE49-F238E27FC236}">
-                <a16:creationId xmlns:a16="http://schemas.microsoft.com/office/drawing/2014/main" id="{5908B2D2-7D5A-6511-6656-52746B0D0341}"/>
-              </a:ext>
-            </a:extLst>
-          </p:cNvPr>
-          <p:cNvSpPr txBox="1"/>
-          <p:nvPr/>
-        </p:nvSpPr>
-        <p:spPr>
-          <a:xfrm>
-            <a:off x="913795" y="2096064"/>
-            <a:ext cx="5016860" cy="3695136"/>
-          </a:xfrm>
-          <a:prstGeom prst="rect">
-            <a:avLst/>
-          </a:prstGeom>
-        </p:spPr>
-        <p:txBody>
-          <a:bodyPr vert="horz" lIns="91440" tIns="45720" rIns="91440" bIns="45720" rtlCol="0">
-            <a:normAutofit/>
-          </a:bodyPr>
-          <a:lstStyle/>
-          <a:p>
-            <a:pPr marL="285750" indent="-228600" defTabSz="914400">
-              <a:lnSpc>
-                <a:spcPct val="120000"/>
-              </a:lnSpc>
-              <a:spcAft>
-                <a:spcPts val="600"/>
-              </a:spcAft>
-              <a:buFont typeface="Arial" panose="020B0604020202020204" pitchFamily="34" charset="0"/>
-              <a:buChar char="•"/>
-            </a:pPr>
-            <a:r>
-              <a:rPr lang="en-US">
-                <a:effectLst>
-                  <a:outerShdw blurRad="50800" dist="38100" dir="2700000" algn="tl" rotWithShape="0">
-                    <a:srgbClr val="000000">
-                      <a:alpha val="48000"/>
-                    </a:srgbClr>
-                  </a:outerShdw>
-                </a:effectLst>
-              </a:rPr>
-              <a:t>Battle Royal</a:t>
-            </a:r>
-          </a:p>
-          <a:p>
-            <a:pPr marL="285750" indent="-228600" defTabSz="914400">
-              <a:lnSpc>
-                <a:spcPct val="120000"/>
-              </a:lnSpc>
-              <a:spcAft>
-                <a:spcPts val="600"/>
-              </a:spcAft>
-              <a:buFont typeface="Arial" panose="020B0604020202020204" pitchFamily="34" charset="0"/>
-              <a:buChar char="•"/>
-            </a:pPr>
-            <a:endParaRPr lang="en-US">
-              <a:effectLst>
-                <a:outerShdw blurRad="50800" dist="38100" dir="2700000" algn="tl" rotWithShape="0">
-                  <a:srgbClr val="000000">
-                    <a:alpha val="48000"/>
-                  </a:srgbClr>
-                </a:outerShdw>
-              </a:effectLst>
-            </a:endParaRPr>
-          </a:p>
-          <a:p>
-            <a:pPr marL="285750" indent="-228600" defTabSz="914400">
-              <a:lnSpc>
-                <a:spcPct val="120000"/>
-              </a:lnSpc>
-              <a:spcAft>
-                <a:spcPts val="600"/>
-              </a:spcAft>
-              <a:buFont typeface="Arial" panose="020B0604020202020204" pitchFamily="34" charset="0"/>
-              <a:buChar char="•"/>
-            </a:pPr>
-            <a:r>
-              <a:rPr lang="en-US">
-                <a:effectLst>
-                  <a:outerShdw blurRad="50800" dist="38100" dir="2700000" algn="tl" rotWithShape="0">
-                    <a:srgbClr val="000000">
-                      <a:alpha val="48000"/>
-                    </a:srgbClr>
-                  </a:outerShdw>
-                </a:effectLst>
-              </a:rPr>
-              <a:t>Popularized Genre</a:t>
-            </a:r>
-          </a:p>
-          <a:p>
-            <a:pPr marL="285750" indent="-228600" defTabSz="914400">
-              <a:lnSpc>
-                <a:spcPct val="120000"/>
-              </a:lnSpc>
-              <a:spcAft>
-                <a:spcPts val="600"/>
-              </a:spcAft>
-              <a:buFont typeface="Arial" panose="020B0604020202020204" pitchFamily="34" charset="0"/>
-              <a:buChar char="•"/>
-            </a:pPr>
-            <a:endParaRPr lang="en-US">
-              <a:effectLst>
-                <a:outerShdw blurRad="50800" dist="38100" dir="2700000" algn="tl" rotWithShape="0">
-                  <a:srgbClr val="000000">
-                    <a:alpha val="48000"/>
-                  </a:srgbClr>
-                </a:outerShdw>
-              </a:effectLst>
-            </a:endParaRPr>
-          </a:p>
-          <a:p>
-            <a:pPr marL="285750" indent="-228600" defTabSz="914400">
-              <a:lnSpc>
-                <a:spcPct val="120000"/>
-              </a:lnSpc>
-              <a:spcAft>
-                <a:spcPts val="600"/>
-              </a:spcAft>
-              <a:buFont typeface="Arial" panose="020B0604020202020204" pitchFamily="34" charset="0"/>
-              <a:buChar char="•"/>
-            </a:pPr>
-            <a:r>
-              <a:rPr lang="en-US">
-                <a:effectLst>
-                  <a:outerShdw blurRad="50800" dist="38100" dir="2700000" algn="tl" rotWithShape="0">
-                    <a:srgbClr val="000000">
-                      <a:alpha val="48000"/>
-                    </a:srgbClr>
-                  </a:outerShdw>
-                </a:effectLst>
-              </a:rPr>
-              <a:t>Esports</a:t>
-            </a:r>
-          </a:p>
-          <a:p>
-            <a:pPr marL="285750" indent="-228600" defTabSz="914400">
-              <a:lnSpc>
-                <a:spcPct val="120000"/>
-              </a:lnSpc>
-              <a:spcAft>
-                <a:spcPts val="600"/>
-              </a:spcAft>
-              <a:buFont typeface="Arial" panose="020B0604020202020204" pitchFamily="34" charset="0"/>
-              <a:buChar char="•"/>
-            </a:pPr>
-            <a:endParaRPr lang="en-US">
-              <a:effectLst>
-                <a:outerShdw blurRad="50800" dist="38100" dir="2700000" algn="tl" rotWithShape="0">
-                  <a:srgbClr val="000000">
-                    <a:alpha val="48000"/>
-                  </a:srgbClr>
-                </a:outerShdw>
-              </a:effectLst>
-            </a:endParaRPr>
-          </a:p>
-          <a:p>
-            <a:pPr marL="285750" indent="-228600" defTabSz="914400">
-              <a:lnSpc>
-                <a:spcPct val="120000"/>
-              </a:lnSpc>
-              <a:spcAft>
-                <a:spcPts val="600"/>
-              </a:spcAft>
-              <a:buFont typeface="Arial" panose="020B0604020202020204" pitchFamily="34" charset="0"/>
-              <a:buChar char="•"/>
-            </a:pPr>
-            <a:r>
-              <a:rPr lang="en-US">
-                <a:effectLst>
-                  <a:outerShdw blurRad="50800" dist="38100" dir="2700000" algn="tl" rotWithShape="0">
-                    <a:srgbClr val="000000">
-                      <a:alpha val="48000"/>
-                    </a:srgbClr>
-                  </a:outerShdw>
-                </a:effectLst>
-              </a:rPr>
-              <a:t>Free-to-play</a:t>
-            </a:r>
-          </a:p>
-          <a:p>
-            <a:pPr marL="285750" indent="-228600" defTabSz="914400">
-              <a:lnSpc>
-                <a:spcPct val="120000"/>
-              </a:lnSpc>
-              <a:spcAft>
-                <a:spcPts val="600"/>
-              </a:spcAft>
-              <a:buFont typeface="Arial" panose="020B0604020202020204" pitchFamily="34" charset="0"/>
-              <a:buChar char="•"/>
-            </a:pPr>
-            <a:endParaRPr lang="en-US">
-              <a:effectLst>
-                <a:outerShdw blurRad="50800" dist="38100" dir="2700000" algn="tl" rotWithShape="0">
-                  <a:srgbClr val="000000">
-                    <a:alpha val="48000"/>
-                  </a:srgbClr>
-                </a:outerShdw>
-              </a:effectLst>
-            </a:endParaRPr>
-          </a:p>
-          <a:p>
-            <a:pPr marL="285750" indent="-228600" defTabSz="914400">
-              <a:lnSpc>
-                <a:spcPct val="120000"/>
-              </a:lnSpc>
-              <a:spcAft>
-                <a:spcPts val="600"/>
-              </a:spcAft>
-              <a:buFont typeface="Arial" panose="020B0604020202020204" pitchFamily="34" charset="0"/>
-              <a:buChar char="•"/>
-            </a:pPr>
-            <a:r>
-              <a:rPr lang="en-US">
-                <a:effectLst>
-                  <a:outerShdw blurRad="50800" dist="38100" dir="2700000" algn="tl" rotWithShape="0">
-                    <a:srgbClr val="000000">
-                      <a:alpha val="48000"/>
-                    </a:srgbClr>
-                  </a:outerShdw>
-                </a:effectLst>
-              </a:rPr>
-              <a:t>Most played game of all time</a:t>
-            </a:r>
-          </a:p>
-        </p:txBody>
-      </p:sp>
-      <p:pic>
-        <p:nvPicPr>
-          <p:cNvPr id="8193" name="Picture 1" descr="PUBG">
-            <a:extLst>
-              <a:ext uri="{FF2B5EF4-FFF2-40B4-BE49-F238E27FC236}">
-                <a16:creationId xmlns:a16="http://schemas.microsoft.com/office/drawing/2014/main" id="{E12AF639-550A-9720-626F-BC8179A5A092}"/>
-              </a:ext>
-            </a:extLst>
-          </p:cNvPr>
-          <p:cNvPicPr>
-            <a:picLocks noChangeAspect="1" noChangeArrowheads="1"/>
-          </p:cNvPicPr>
-          <p:nvPr/>
-        </p:nvPicPr>
-        <p:blipFill>
-          <a:blip r:embed="rId4">
-            <a:extLst>
-              <a:ext uri="{28A0092B-C50C-407E-A947-70E740481C1C}">
-                <a14:useLocalDpi xmlns:a14="http://schemas.microsoft.com/office/drawing/2010/main" val="0"/>
-              </a:ext>
-            </a:extLst>
-          </a:blip>
-          <a:stretch>
-            <a:fillRect/>
-          </a:stretch>
-        </p:blipFill>
-        <p:spPr bwMode="auto">
-          <a:xfrm>
-            <a:off x="6357257" y="3335243"/>
-            <a:ext cx="4833257" cy="1244563"/>
-          </a:xfrm>
-          <a:prstGeom prst="rect">
-            <a:avLst/>
-          </a:prstGeom>
-          <a:noFill/>
-          <a:ln w="190500" cap="sq">
-            <a:solidFill>
-              <a:srgbClr val="FFFFFF"/>
-            </a:solidFill>
-            <a:miter lim="800000"/>
-          </a:ln>
-          <a:effectLst>
-            <a:outerShdw blurRad="54991" dist="17780" dir="5400000" algn="ctr" rotWithShape="0">
-              <a:schemeClr val="bg1">
-                <a:alpha val="40000"/>
-              </a:schemeClr>
-            </a:outerShdw>
-          </a:effectLst>
-          <a:scene3d>
-            <a:camera prst="orthographicFront"/>
-            <a:lightRig rig="twoPt" dir="t">
-              <a:rot lat="0" lon="0" rev="7200000"/>
-            </a:lightRig>
-          </a:scene3d>
-          <a:sp3d>
-            <a:bevelT w="25400" h="19050"/>
-          </a:sp3d>
-          <a:extLst>
-            <a:ext uri="{909E8E84-426E-40DD-AFC4-6F175D3DCCD1}">
-              <a14:hiddenFill xmlns:a14="http://schemas.microsoft.com/office/drawing/2010/main">
-                <a:solidFill>
-                  <a:srgbClr val="FFFFFF"/>
-                </a:solidFill>
-              </a14:hiddenFill>
-            </a:ext>
-          </a:extLst>
-        </p:spPr>
-      </p:pic>
-    </p:spTree>
-    <p:extLst>
-      <p:ext uri="{BB962C8B-B14F-4D97-AF65-F5344CB8AC3E}">
-        <p14:creationId xmlns:p14="http://schemas.microsoft.com/office/powerpoint/2010/main" val="3874307302"/>
-      </p:ext>
-    </p:extLst>
-  </p:cSld>
-  <p:clrMapOvr>
-    <a:masterClrMapping/>
-  </p:clrMapOvr>
-</p:sld>
-</file>
-
-<file path=ppt/slides/slide12.xml><?xml version="1.0" encoding="utf-8"?>
-<p:sld xmlns:a="http://schemas.openxmlformats.org/drawingml/2006/main" xmlns:r="http://schemas.openxmlformats.org/officeDocument/2006/relationships" xmlns:p="http://schemas.openxmlformats.org/presentationml/2006/main">
-  <p:cSld>
-    <p:bg>
-      <p:bgPr>
-        <a:blipFill rotWithShape="1">
-          <a:blip r:embed="rId3">
-            <a:duotone>
-              <a:schemeClr val="bg2">
-                <a:shade val="18000"/>
-                <a:satMod val="160000"/>
-                <a:lumMod val="28000"/>
-              </a:schemeClr>
-              <a:schemeClr val="bg2">
-                <a:tint val="95000"/>
-                <a:satMod val="160000"/>
-                <a:lumMod val="116000"/>
-              </a:schemeClr>
-            </a:duotone>
-          </a:blip>
-          <a:stretch/>
-        </a:blipFill>
-        <a:effectLst/>
-      </p:bgPr>
-    </p:bg>
-    <p:spTree>
-      <p:nvGrpSpPr>
-        <p:cNvPr id="1" name="">
-          <a:extLst>
-            <a:ext uri="{FF2B5EF4-FFF2-40B4-BE49-F238E27FC236}">
-              <a16:creationId xmlns:a16="http://schemas.microsoft.com/office/drawing/2014/main" id="{D95C5908-37A9-B902-179B-1C5C646776CE}"/>
-            </a:ext>
-          </a:extLst>
-        </p:cNvPr>
-        <p:cNvGrpSpPr/>
-        <p:nvPr/>
-      </p:nvGrpSpPr>
-      <p:grpSpPr>
-        <a:xfrm>
-          <a:off x="0" y="0"/>
-          <a:ext cx="0" cy="0"/>
-          <a:chOff x="0" y="0"/>
-          <a:chExt cx="0" cy="0"/>
-        </a:xfrm>
-      </p:grpSpPr>
-      <p:sp>
-        <p:nvSpPr>
-          <p:cNvPr id="2" name="Title 1">
-            <a:extLst>
-              <a:ext uri="{FF2B5EF4-FFF2-40B4-BE49-F238E27FC236}">
-                <a16:creationId xmlns:a16="http://schemas.microsoft.com/office/drawing/2014/main" id="{913AE408-5FF8-D630-B0FF-8EBCC9339662}"/>
-              </a:ext>
-            </a:extLst>
-          </p:cNvPr>
-          <p:cNvSpPr>
-            <a:spLocks noGrp="1"/>
-          </p:cNvSpPr>
-          <p:nvPr>
-            <p:ph type="title"/>
-          </p:nvPr>
-        </p:nvSpPr>
-        <p:spPr>
-          <a:xfrm>
-            <a:off x="913795" y="609600"/>
-            <a:ext cx="10353761" cy="1326321"/>
-          </a:xfrm>
-        </p:spPr>
-        <p:txBody>
-          <a:bodyPr vert="horz" lIns="91440" tIns="45720" rIns="91440" bIns="45720" rtlCol="0" anchor="ctr">
-            <a:normAutofit/>
-          </a:bodyPr>
-          <a:lstStyle/>
-          <a:p>
-            <a:r>
-              <a:rPr lang="en-US"/>
-              <a:t>Palworld</a:t>
-            </a:r>
-            <a:endParaRPr lang="en-US" dirty="0"/>
-          </a:p>
-        </p:txBody>
-      </p:sp>
-      <p:sp>
-        <p:nvSpPr>
-          <p:cNvPr id="4" name="TextBox 3">
-            <a:extLst>
-              <a:ext uri="{FF2B5EF4-FFF2-40B4-BE49-F238E27FC236}">
-                <a16:creationId xmlns:a16="http://schemas.microsoft.com/office/drawing/2014/main" id="{8EBAE6D1-A5C4-22FC-000F-16343D5D488B}"/>
-              </a:ext>
-            </a:extLst>
-          </p:cNvPr>
-          <p:cNvSpPr txBox="1"/>
-          <p:nvPr/>
-        </p:nvSpPr>
-        <p:spPr>
-          <a:xfrm>
-            <a:off x="913795" y="2096064"/>
-            <a:ext cx="5016860" cy="3695136"/>
-          </a:xfrm>
-          <a:prstGeom prst="rect">
-            <a:avLst/>
-          </a:prstGeom>
-        </p:spPr>
-        <p:txBody>
-          <a:bodyPr vert="horz" lIns="91440" tIns="45720" rIns="91440" bIns="45720" rtlCol="0">
-            <a:normAutofit/>
-          </a:bodyPr>
-          <a:lstStyle/>
-          <a:p>
-            <a:pPr marL="285750" indent="-228600" defTabSz="914400">
-              <a:lnSpc>
-                <a:spcPct val="120000"/>
-              </a:lnSpc>
-              <a:spcAft>
-                <a:spcPts val="600"/>
-              </a:spcAft>
-              <a:buFont typeface="Arial" panose="020B0604020202020204" pitchFamily="34" charset="0"/>
-              <a:buChar char="•"/>
-            </a:pPr>
-            <a:r>
-              <a:rPr lang="en-US">
-                <a:effectLst>
-                  <a:outerShdw blurRad="50800" dist="38100" dir="2700000" algn="tl" rotWithShape="0">
-                    <a:srgbClr val="000000">
-                      <a:alpha val="48000"/>
-                    </a:srgbClr>
-                  </a:outerShdw>
-                </a:effectLst>
-              </a:rPr>
-              <a:t>Monster Tamer Survivor</a:t>
-            </a:r>
-          </a:p>
-          <a:p>
-            <a:pPr marL="285750" indent="-228600" defTabSz="914400">
-              <a:lnSpc>
-                <a:spcPct val="120000"/>
-              </a:lnSpc>
-              <a:spcAft>
-                <a:spcPts val="600"/>
-              </a:spcAft>
-              <a:buFont typeface="Arial" panose="020B0604020202020204" pitchFamily="34" charset="0"/>
-              <a:buChar char="•"/>
-            </a:pPr>
-            <a:endParaRPr lang="en-US">
-              <a:effectLst>
-                <a:outerShdw blurRad="50800" dist="38100" dir="2700000" algn="tl" rotWithShape="0">
-                  <a:srgbClr val="000000">
-                    <a:alpha val="48000"/>
-                  </a:srgbClr>
-                </a:outerShdw>
-              </a:effectLst>
-            </a:endParaRPr>
-          </a:p>
-          <a:p>
-            <a:pPr marL="285750" indent="-228600" defTabSz="914400">
-              <a:lnSpc>
-                <a:spcPct val="120000"/>
-              </a:lnSpc>
-              <a:spcAft>
-                <a:spcPts val="600"/>
-              </a:spcAft>
-              <a:buFont typeface="Arial" panose="020B0604020202020204" pitchFamily="34" charset="0"/>
-              <a:buChar char="•"/>
-            </a:pPr>
-            <a:r>
-              <a:rPr lang="en-US">
-                <a:effectLst>
-                  <a:outerShdw blurRad="50800" dist="38100" dir="2700000" algn="tl" rotWithShape="0">
-                    <a:srgbClr val="000000">
-                      <a:alpha val="48000"/>
-                    </a:srgbClr>
-                  </a:outerShdw>
-                </a:effectLst>
-              </a:rPr>
-              <a:t>Refreshed Genre</a:t>
-            </a:r>
-          </a:p>
-          <a:p>
-            <a:pPr marL="285750" indent="-228600" defTabSz="914400">
-              <a:lnSpc>
-                <a:spcPct val="120000"/>
-              </a:lnSpc>
-              <a:spcAft>
-                <a:spcPts val="600"/>
-              </a:spcAft>
-              <a:buFont typeface="Arial" panose="020B0604020202020204" pitchFamily="34" charset="0"/>
-              <a:buChar char="•"/>
-            </a:pPr>
-            <a:endParaRPr lang="en-US">
-              <a:effectLst>
-                <a:outerShdw blurRad="50800" dist="38100" dir="2700000" algn="tl" rotWithShape="0">
-                  <a:srgbClr val="000000">
-                    <a:alpha val="48000"/>
-                  </a:srgbClr>
-                </a:outerShdw>
-              </a:effectLst>
-            </a:endParaRPr>
-          </a:p>
-          <a:p>
-            <a:pPr marL="285750" indent="-228600" defTabSz="914400">
-              <a:lnSpc>
-                <a:spcPct val="120000"/>
-              </a:lnSpc>
-              <a:spcAft>
-                <a:spcPts val="600"/>
-              </a:spcAft>
-              <a:buFont typeface="Arial" panose="020B0604020202020204" pitchFamily="34" charset="0"/>
-              <a:buChar char="•"/>
-            </a:pPr>
-            <a:r>
-              <a:rPr lang="en-US">
-                <a:effectLst>
-                  <a:outerShdw blurRad="50800" dist="38100" dir="2700000" algn="tl" rotWithShape="0">
-                    <a:srgbClr val="000000">
-                      <a:alpha val="48000"/>
-                    </a:srgbClr>
-                  </a:outerShdw>
-                </a:effectLst>
-              </a:rPr>
-              <a:t>Open World</a:t>
-            </a:r>
-          </a:p>
-          <a:p>
-            <a:pPr marL="285750" indent="-228600" defTabSz="914400">
-              <a:lnSpc>
-                <a:spcPct val="120000"/>
-              </a:lnSpc>
-              <a:spcAft>
-                <a:spcPts val="600"/>
-              </a:spcAft>
-              <a:buFont typeface="Arial" panose="020B0604020202020204" pitchFamily="34" charset="0"/>
-              <a:buChar char="•"/>
-            </a:pPr>
-            <a:endParaRPr lang="en-US">
-              <a:effectLst>
-                <a:outerShdw blurRad="50800" dist="38100" dir="2700000" algn="tl" rotWithShape="0">
-                  <a:srgbClr val="000000">
-                    <a:alpha val="48000"/>
-                  </a:srgbClr>
-                </a:outerShdw>
-              </a:effectLst>
-            </a:endParaRPr>
-          </a:p>
-          <a:p>
-            <a:pPr marL="285750" indent="-228600" defTabSz="914400">
-              <a:lnSpc>
-                <a:spcPct val="120000"/>
-              </a:lnSpc>
-              <a:spcAft>
-                <a:spcPts val="600"/>
-              </a:spcAft>
-              <a:buFont typeface="Arial" panose="020B0604020202020204" pitchFamily="34" charset="0"/>
-              <a:buChar char="•"/>
-            </a:pPr>
-            <a:r>
-              <a:rPr lang="en-US">
-                <a:effectLst>
-                  <a:outerShdw blurRad="50800" dist="38100" dir="2700000" algn="tl" rotWithShape="0">
-                    <a:srgbClr val="000000">
-                      <a:alpha val="48000"/>
-                    </a:srgbClr>
-                  </a:outerShdw>
-                </a:effectLst>
-              </a:rPr>
-              <a:t>Sold 8 million copies in 6 days</a:t>
-            </a:r>
-          </a:p>
-          <a:p>
-            <a:pPr marL="285750" indent="-228600" defTabSz="914400">
-              <a:lnSpc>
-                <a:spcPct val="120000"/>
-              </a:lnSpc>
-              <a:spcAft>
-                <a:spcPts val="600"/>
-              </a:spcAft>
-              <a:buFont typeface="Arial" panose="020B0604020202020204" pitchFamily="34" charset="0"/>
-              <a:buChar char="•"/>
-            </a:pPr>
-            <a:endParaRPr lang="en-US">
-              <a:effectLst>
-                <a:outerShdw blurRad="50800" dist="38100" dir="2700000" algn="tl" rotWithShape="0">
-                  <a:srgbClr val="000000">
-                    <a:alpha val="48000"/>
-                  </a:srgbClr>
-                </a:outerShdw>
-              </a:effectLst>
-            </a:endParaRPr>
-          </a:p>
-          <a:p>
-            <a:pPr marL="285750" indent="-228600" defTabSz="914400">
-              <a:lnSpc>
-                <a:spcPct val="120000"/>
-              </a:lnSpc>
-              <a:spcAft>
-                <a:spcPts val="600"/>
-              </a:spcAft>
-              <a:buFont typeface="Arial" panose="020B0604020202020204" pitchFamily="34" charset="0"/>
-              <a:buChar char="•"/>
-            </a:pPr>
-            <a:r>
-              <a:rPr lang="en-US">
-                <a:effectLst>
-                  <a:outerShdw blurRad="50800" dist="38100" dir="2700000" algn="tl" rotWithShape="0">
-                    <a:srgbClr val="000000">
-                      <a:alpha val="48000"/>
-                    </a:srgbClr>
-                  </a:outerShdw>
-                </a:effectLst>
-              </a:rPr>
-              <a:t>2</a:t>
-            </a:r>
-            <a:r>
-              <a:rPr lang="en-US" baseline="30000">
-                <a:effectLst>
-                  <a:outerShdw blurRad="50800" dist="38100" dir="2700000" algn="tl" rotWithShape="0">
-                    <a:srgbClr val="000000">
-                      <a:alpha val="48000"/>
-                    </a:srgbClr>
-                  </a:outerShdw>
-                </a:effectLst>
-              </a:rPr>
-              <a:t>nd</a:t>
-            </a:r>
-            <a:r>
-              <a:rPr lang="en-US">
-                <a:effectLst>
-                  <a:outerShdw blurRad="50800" dist="38100" dir="2700000" algn="tl" rotWithShape="0">
-                    <a:srgbClr val="000000">
-                      <a:alpha val="48000"/>
-                    </a:srgbClr>
-                  </a:outerShdw>
-                </a:effectLst>
-              </a:rPr>
-              <a:t> most played game of all time</a:t>
-            </a:r>
-          </a:p>
-        </p:txBody>
-      </p:sp>
-      <p:pic>
-        <p:nvPicPr>
-          <p:cNvPr id="9217" name="Picture 1" descr="Palworld">
-            <a:extLst>
-              <a:ext uri="{FF2B5EF4-FFF2-40B4-BE49-F238E27FC236}">
-                <a16:creationId xmlns:a16="http://schemas.microsoft.com/office/drawing/2014/main" id="{EB324535-B972-3F48-509E-728A39134671}"/>
-              </a:ext>
-            </a:extLst>
-          </p:cNvPr>
-          <p:cNvPicPr>
-            <a:picLocks noChangeAspect="1" noChangeArrowheads="1"/>
-          </p:cNvPicPr>
-          <p:nvPr/>
-        </p:nvPicPr>
-        <p:blipFill>
-          <a:blip r:embed="rId4">
-            <a:extLst>
-              <a:ext uri="{28A0092B-C50C-407E-A947-70E740481C1C}">
-                <a14:useLocalDpi xmlns:a14="http://schemas.microsoft.com/office/drawing/2010/main" val="0"/>
-              </a:ext>
-            </a:extLst>
-          </a:blip>
-          <a:stretch>
-            <a:fillRect/>
-          </a:stretch>
-        </p:blipFill>
-        <p:spPr bwMode="auto">
-          <a:xfrm>
-            <a:off x="6357257" y="3335243"/>
-            <a:ext cx="4833257" cy="1244563"/>
-          </a:xfrm>
-          <a:prstGeom prst="rect">
-            <a:avLst/>
-          </a:prstGeom>
-          <a:noFill/>
-          <a:ln w="190500" cap="sq">
-            <a:solidFill>
-              <a:srgbClr val="FFFFFF"/>
-            </a:solidFill>
-            <a:miter lim="800000"/>
-          </a:ln>
-          <a:effectLst>
-            <a:outerShdw blurRad="54991" dist="17780" dir="5400000" algn="ctr" rotWithShape="0">
-              <a:schemeClr val="bg1">
-                <a:alpha val="40000"/>
-              </a:schemeClr>
-            </a:outerShdw>
-          </a:effectLst>
-          <a:scene3d>
-            <a:camera prst="orthographicFront"/>
-            <a:lightRig rig="twoPt" dir="t">
-              <a:rot lat="0" lon="0" rev="7200000"/>
-            </a:lightRig>
-          </a:scene3d>
-          <a:sp3d>
-            <a:bevelT w="25400" h="19050"/>
-          </a:sp3d>
-          <a:extLst>
-            <a:ext uri="{909E8E84-426E-40DD-AFC4-6F175D3DCCD1}">
-              <a14:hiddenFill xmlns:a14="http://schemas.microsoft.com/office/drawing/2010/main">
-                <a:solidFill>
-                  <a:srgbClr val="FFFFFF"/>
-                </a:solidFill>
-              </a14:hiddenFill>
-            </a:ext>
-          </a:extLst>
-        </p:spPr>
-      </p:pic>
-    </p:spTree>
-    <p:extLst>
-      <p:ext uri="{BB962C8B-B14F-4D97-AF65-F5344CB8AC3E}">
-        <p14:creationId xmlns:p14="http://schemas.microsoft.com/office/powerpoint/2010/main" val="1464210557"/>
-      </p:ext>
-    </p:extLst>
-  </p:cSld>
-  <p:clrMapOvr>
-    <a:masterClrMapping/>
-  </p:clrMapOvr>
-</p:sld>
-</file>
-
-<file path=ppt/slides/slide13.xml><?xml version="1.0" encoding="utf-8"?>
-<p:sld xmlns:a="http://schemas.openxmlformats.org/drawingml/2006/main" xmlns:r="http://schemas.openxmlformats.org/officeDocument/2006/relationships" xmlns:p="http://schemas.openxmlformats.org/presentationml/2006/main">
-  <p:cSld>
-    <p:bg>
-      <p:bgPr>
-        <a:blipFill rotWithShape="1">
-          <a:blip r:embed="rId3">
-            <a:duotone>
-              <a:schemeClr val="bg2">
-                <a:shade val="18000"/>
-                <a:satMod val="160000"/>
-                <a:lumMod val="28000"/>
-              </a:schemeClr>
-              <a:schemeClr val="bg2">
-                <a:tint val="95000"/>
-                <a:satMod val="160000"/>
-                <a:lumMod val="116000"/>
-              </a:schemeClr>
-            </a:duotone>
-          </a:blip>
-          <a:stretch/>
-        </a:blipFill>
-        <a:effectLst/>
-      </p:bgPr>
-    </p:bg>
-    <p:spTree>
-      <p:nvGrpSpPr>
-        <p:cNvPr id="1" name="">
-          <a:extLst>
-            <a:ext uri="{FF2B5EF4-FFF2-40B4-BE49-F238E27FC236}">
-              <a16:creationId xmlns:a16="http://schemas.microsoft.com/office/drawing/2014/main" id="{29EE8924-5D89-C28E-4892-D986F03452C6}"/>
-            </a:ext>
-          </a:extLst>
-        </p:cNvPr>
-        <p:cNvGrpSpPr/>
-        <p:nvPr/>
-      </p:nvGrpSpPr>
-      <p:grpSpPr>
-        <a:xfrm>
-          <a:off x="0" y="0"/>
-          <a:ext cx="0" cy="0"/>
-          <a:chOff x="0" y="0"/>
-          <a:chExt cx="0" cy="0"/>
-        </a:xfrm>
-      </p:grpSpPr>
-      <p:sp>
-        <p:nvSpPr>
-          <p:cNvPr id="2" name="Title 1">
-            <a:extLst>
-              <a:ext uri="{FF2B5EF4-FFF2-40B4-BE49-F238E27FC236}">
-                <a16:creationId xmlns:a16="http://schemas.microsoft.com/office/drawing/2014/main" id="{615E61A3-79AD-06C9-C0B1-74E703E9D4F5}"/>
-              </a:ext>
-            </a:extLst>
-          </p:cNvPr>
-          <p:cNvSpPr>
-            <a:spLocks noGrp="1"/>
-          </p:cNvSpPr>
-          <p:nvPr>
-            <p:ph type="title"/>
-          </p:nvPr>
-        </p:nvSpPr>
-        <p:spPr>
-          <a:xfrm>
-            <a:off x="913795" y="609600"/>
-            <a:ext cx="10353761" cy="1326321"/>
-          </a:xfrm>
-        </p:spPr>
-        <p:txBody>
-          <a:bodyPr vert="horz" lIns="91440" tIns="45720" rIns="91440" bIns="45720" rtlCol="0" anchor="ctr">
-            <a:normAutofit/>
-          </a:bodyPr>
-          <a:lstStyle/>
-          <a:p>
-            <a:r>
-              <a:rPr lang="en-US" dirty="0"/>
-              <a:t>Apex Legends</a:t>
-            </a:r>
-          </a:p>
-        </p:txBody>
-      </p:sp>
-      <p:sp>
-        <p:nvSpPr>
-          <p:cNvPr id="4" name="TextBox 3">
-            <a:extLst>
-              <a:ext uri="{FF2B5EF4-FFF2-40B4-BE49-F238E27FC236}">
-                <a16:creationId xmlns:a16="http://schemas.microsoft.com/office/drawing/2014/main" id="{CD3B3B94-D447-6F25-CF53-773451F5DD1B}"/>
-              </a:ext>
-            </a:extLst>
-          </p:cNvPr>
-          <p:cNvSpPr txBox="1"/>
-          <p:nvPr/>
-        </p:nvSpPr>
-        <p:spPr>
-          <a:xfrm>
-            <a:off x="913795" y="2096064"/>
-            <a:ext cx="5016860" cy="3695136"/>
-          </a:xfrm>
-          <a:prstGeom prst="rect">
-            <a:avLst/>
-          </a:prstGeom>
-        </p:spPr>
-        <p:txBody>
-          <a:bodyPr vert="horz" lIns="91440" tIns="45720" rIns="91440" bIns="45720" rtlCol="0">
-            <a:normAutofit/>
-          </a:bodyPr>
-          <a:lstStyle/>
-          <a:p>
-            <a:pPr marL="285750" indent="-228600" defTabSz="914400">
-              <a:lnSpc>
-                <a:spcPct val="120000"/>
-              </a:lnSpc>
-              <a:spcAft>
-                <a:spcPts val="600"/>
-              </a:spcAft>
-              <a:buFont typeface="Arial" panose="020B0604020202020204" pitchFamily="34" charset="0"/>
-              <a:buChar char="•"/>
-            </a:pPr>
-            <a:r>
-              <a:rPr lang="en-US">
-                <a:effectLst>
-                  <a:outerShdw blurRad="50800" dist="38100" dir="2700000" algn="tl" rotWithShape="0">
-                    <a:srgbClr val="000000">
-                      <a:alpha val="48000"/>
-                    </a:srgbClr>
-                  </a:outerShdw>
-                </a:effectLst>
-              </a:rPr>
-              <a:t>Battle Royal-Hero Shooter</a:t>
-            </a:r>
-          </a:p>
-          <a:p>
-            <a:pPr marL="285750" indent="-228600" defTabSz="914400">
-              <a:lnSpc>
-                <a:spcPct val="120000"/>
-              </a:lnSpc>
-              <a:spcAft>
-                <a:spcPts val="600"/>
-              </a:spcAft>
-              <a:buFont typeface="Arial" panose="020B0604020202020204" pitchFamily="34" charset="0"/>
-              <a:buChar char="•"/>
-            </a:pPr>
-            <a:endParaRPr lang="en-US">
-              <a:effectLst>
-                <a:outerShdw blurRad="50800" dist="38100" dir="2700000" algn="tl" rotWithShape="0">
-                  <a:srgbClr val="000000">
-                    <a:alpha val="48000"/>
-                  </a:srgbClr>
-                </a:outerShdw>
-              </a:effectLst>
-            </a:endParaRPr>
-          </a:p>
-          <a:p>
-            <a:pPr marL="285750" indent="-228600" defTabSz="914400">
-              <a:lnSpc>
-                <a:spcPct val="120000"/>
-              </a:lnSpc>
-              <a:spcAft>
-                <a:spcPts val="600"/>
-              </a:spcAft>
-              <a:buFont typeface="Arial" panose="020B0604020202020204" pitchFamily="34" charset="0"/>
-              <a:buChar char="•"/>
-            </a:pPr>
-            <a:r>
-              <a:rPr lang="en-US">
-                <a:effectLst>
-                  <a:outerShdw blurRad="50800" dist="38100" dir="2700000" algn="tl" rotWithShape="0">
-                    <a:srgbClr val="000000">
-                      <a:alpha val="48000"/>
-                    </a:srgbClr>
-                  </a:outerShdw>
-                </a:effectLst>
-              </a:rPr>
-              <a:t>Combines two popular genres</a:t>
-            </a:r>
-          </a:p>
-          <a:p>
-            <a:pPr marL="285750" indent="-228600" defTabSz="914400">
-              <a:lnSpc>
-                <a:spcPct val="120000"/>
-              </a:lnSpc>
-              <a:spcAft>
-                <a:spcPts val="600"/>
-              </a:spcAft>
-              <a:buFont typeface="Arial" panose="020B0604020202020204" pitchFamily="34" charset="0"/>
-              <a:buChar char="•"/>
-            </a:pPr>
-            <a:endParaRPr lang="en-US">
-              <a:effectLst>
-                <a:outerShdw blurRad="50800" dist="38100" dir="2700000" algn="tl" rotWithShape="0">
-                  <a:srgbClr val="000000">
-                    <a:alpha val="48000"/>
-                  </a:srgbClr>
-                </a:outerShdw>
-              </a:effectLst>
-            </a:endParaRPr>
-          </a:p>
-          <a:p>
-            <a:pPr marL="285750" indent="-228600" defTabSz="914400">
-              <a:lnSpc>
-                <a:spcPct val="120000"/>
-              </a:lnSpc>
-              <a:spcAft>
-                <a:spcPts val="600"/>
-              </a:spcAft>
-              <a:buFont typeface="Arial" panose="020B0604020202020204" pitchFamily="34" charset="0"/>
-              <a:buChar char="•"/>
-            </a:pPr>
-            <a:r>
-              <a:rPr lang="en-US">
-                <a:effectLst>
-                  <a:outerShdw blurRad="50800" dist="38100" dir="2700000" algn="tl" rotWithShape="0">
-                    <a:srgbClr val="000000">
-                      <a:alpha val="48000"/>
-                    </a:srgbClr>
-                  </a:outerShdw>
-                </a:effectLst>
-              </a:rPr>
-              <a:t>Esports</a:t>
-            </a:r>
-          </a:p>
-          <a:p>
-            <a:pPr marL="285750" indent="-228600" defTabSz="914400">
-              <a:lnSpc>
-                <a:spcPct val="120000"/>
-              </a:lnSpc>
-              <a:spcAft>
-                <a:spcPts val="600"/>
-              </a:spcAft>
-              <a:buFont typeface="Arial" panose="020B0604020202020204" pitchFamily="34" charset="0"/>
-              <a:buChar char="•"/>
-            </a:pPr>
-            <a:endParaRPr lang="en-US">
-              <a:effectLst>
-                <a:outerShdw blurRad="50800" dist="38100" dir="2700000" algn="tl" rotWithShape="0">
-                  <a:srgbClr val="000000">
-                    <a:alpha val="48000"/>
-                  </a:srgbClr>
-                </a:outerShdw>
-              </a:effectLst>
-            </a:endParaRPr>
-          </a:p>
-          <a:p>
-            <a:pPr marL="285750" indent="-228600" defTabSz="914400">
-              <a:lnSpc>
-                <a:spcPct val="120000"/>
-              </a:lnSpc>
-              <a:spcAft>
-                <a:spcPts val="600"/>
-              </a:spcAft>
-              <a:buFont typeface="Arial" panose="020B0604020202020204" pitchFamily="34" charset="0"/>
-              <a:buChar char="•"/>
-            </a:pPr>
-            <a:r>
-              <a:rPr lang="en-US">
-                <a:effectLst>
-                  <a:outerShdw blurRad="50800" dist="38100" dir="2700000" algn="tl" rotWithShape="0">
-                    <a:srgbClr val="000000">
-                      <a:alpha val="48000"/>
-                    </a:srgbClr>
-                  </a:outerShdw>
-                </a:effectLst>
-              </a:rPr>
-              <a:t>Free-to-play</a:t>
-            </a:r>
-          </a:p>
-          <a:p>
-            <a:pPr marL="285750" indent="-228600" defTabSz="914400">
-              <a:lnSpc>
-                <a:spcPct val="120000"/>
-              </a:lnSpc>
-              <a:spcAft>
-                <a:spcPts val="600"/>
-              </a:spcAft>
-              <a:buFont typeface="Arial" panose="020B0604020202020204" pitchFamily="34" charset="0"/>
-              <a:buChar char="•"/>
-            </a:pPr>
-            <a:endParaRPr lang="en-US">
-              <a:effectLst>
-                <a:outerShdw blurRad="50800" dist="38100" dir="2700000" algn="tl" rotWithShape="0">
-                  <a:srgbClr val="000000">
-                    <a:alpha val="48000"/>
-                  </a:srgbClr>
-                </a:outerShdw>
-              </a:effectLst>
-            </a:endParaRPr>
-          </a:p>
-          <a:p>
-            <a:pPr marL="285750" indent="-228600" defTabSz="914400">
-              <a:lnSpc>
-                <a:spcPct val="120000"/>
-              </a:lnSpc>
-              <a:spcAft>
-                <a:spcPts val="600"/>
-              </a:spcAft>
-              <a:buFont typeface="Arial" panose="020B0604020202020204" pitchFamily="34" charset="0"/>
-              <a:buChar char="•"/>
-            </a:pPr>
-            <a:r>
-              <a:rPr lang="en-US">
-                <a:effectLst>
-                  <a:outerShdw blurRad="50800" dist="38100" dir="2700000" algn="tl" rotWithShape="0">
-                    <a:srgbClr val="000000">
-                      <a:alpha val="48000"/>
-                    </a:srgbClr>
-                  </a:outerShdw>
-                </a:effectLst>
-              </a:rPr>
-              <a:t>Implemented ‘ping’ system</a:t>
-            </a:r>
-          </a:p>
-        </p:txBody>
-      </p:sp>
-      <p:pic>
-        <p:nvPicPr>
-          <p:cNvPr id="10241" name="Picture 1" descr="Apex Legends">
-            <a:extLst>
-              <a:ext uri="{FF2B5EF4-FFF2-40B4-BE49-F238E27FC236}">
-                <a16:creationId xmlns:a16="http://schemas.microsoft.com/office/drawing/2014/main" id="{E83A8544-5AC8-2368-3B74-D3BDBB3550A6}"/>
-              </a:ext>
-            </a:extLst>
-          </p:cNvPr>
-          <p:cNvPicPr>
-            <a:picLocks noChangeAspect="1" noChangeArrowheads="1"/>
-          </p:cNvPicPr>
-          <p:nvPr/>
-        </p:nvPicPr>
-        <p:blipFill>
-          <a:blip r:embed="rId4">
-            <a:extLst>
-              <a:ext uri="{28A0092B-C50C-407E-A947-70E740481C1C}">
-                <a14:useLocalDpi xmlns:a14="http://schemas.microsoft.com/office/drawing/2010/main" val="0"/>
-              </a:ext>
-            </a:extLst>
-          </a:blip>
-          <a:stretch>
-            <a:fillRect/>
-          </a:stretch>
-        </p:blipFill>
-        <p:spPr bwMode="auto">
-          <a:xfrm>
-            <a:off x="6357257" y="3335243"/>
-            <a:ext cx="4833257" cy="1244563"/>
-          </a:xfrm>
-          <a:prstGeom prst="rect">
-            <a:avLst/>
-          </a:prstGeom>
-          <a:noFill/>
-          <a:ln w="190500" cap="sq">
-            <a:solidFill>
-              <a:srgbClr val="FFFFFF"/>
-            </a:solidFill>
-            <a:miter lim="800000"/>
-          </a:ln>
-          <a:effectLst>
-            <a:outerShdw blurRad="54991" dist="17780" dir="5400000" algn="ctr" rotWithShape="0">
-              <a:schemeClr val="bg1">
-                <a:alpha val="40000"/>
-              </a:schemeClr>
-            </a:outerShdw>
-          </a:effectLst>
-          <a:scene3d>
-            <a:camera prst="orthographicFront"/>
-            <a:lightRig rig="twoPt" dir="t">
-              <a:rot lat="0" lon="0" rev="7200000"/>
-            </a:lightRig>
-          </a:scene3d>
-          <a:sp3d>
-            <a:bevelT w="25400" h="19050"/>
-          </a:sp3d>
-          <a:extLst>
-            <a:ext uri="{909E8E84-426E-40DD-AFC4-6F175D3DCCD1}">
-              <a14:hiddenFill xmlns:a14="http://schemas.microsoft.com/office/drawing/2010/main">
-                <a:solidFill>
-                  <a:srgbClr val="FFFFFF"/>
-                </a:solidFill>
-              </a14:hiddenFill>
-            </a:ext>
-          </a:extLst>
-        </p:spPr>
-      </p:pic>
-    </p:spTree>
-    <p:extLst>
-      <p:ext uri="{BB962C8B-B14F-4D97-AF65-F5344CB8AC3E}">
-        <p14:creationId xmlns:p14="http://schemas.microsoft.com/office/powerpoint/2010/main" val="2969638465"/>
-      </p:ext>
-    </p:extLst>
-  </p:cSld>
-  <p:clrMapOvr>
-    <a:masterClrMapping/>
-  </p:clrMapOvr>
-</p:sld>
-</file>
-
-<file path=ppt/slides/slide14.xml><?xml version="1.0" encoding="utf-8"?>
 <p:sld xmlns:a="http://schemas.openxmlformats.org/drawingml/2006/main" xmlns:r="http://schemas.openxmlformats.org/officeDocument/2006/relationships" xmlns:p="http://schemas.openxmlformats.org/presentationml/2006/main">
   <p:cSld>
     <p:spTree>
@@ -12633,7 +11282,7 @@
           <p:nvPr/>
         </p:nvPicPr>
         <p:blipFill>
-          <a:blip r:embed="rId2">
+          <a:blip r:embed="rId3">
             <a:extLst>
               <a:ext uri="{28A0092B-C50C-407E-A947-70E740481C1C}">
                 <a14:useLocalDpi xmlns:a14="http://schemas.microsoft.com/office/drawing/2010/main" val="0"/>
@@ -12783,7 +11432,7 @@
           <p:nvPr/>
         </p:nvPicPr>
         <p:blipFill>
-          <a:blip r:embed="rId3">
+          <a:blip r:embed="rId4">
             <a:extLst>
               <a:ext uri="{28A0092B-C50C-407E-A947-70E740481C1C}">
                 <a14:useLocalDpi xmlns:a14="http://schemas.microsoft.com/office/drawing/2010/main" val="0"/>
@@ -12828,7 +11477,7 @@
 </p:sld>
 </file>
 
-<file path=ppt/slides/slide15.xml><?xml version="1.0" encoding="utf-8"?>
+<file path=ppt/slides/slide12.xml><?xml version="1.0" encoding="utf-8"?>
 <p:sld xmlns:a="http://schemas.openxmlformats.org/drawingml/2006/main" xmlns:r="http://schemas.openxmlformats.org/officeDocument/2006/relationships" xmlns:p="http://schemas.openxmlformats.org/presentationml/2006/main">
   <p:cSld>
     <p:spTree>
@@ -13079,12 +11728,115 @@
           </a:graphicData>
         </a:graphic>
       </p:graphicFrame>
+      <p:graphicFrame>
+        <p:nvGraphicFramePr>
+          <p:cNvPr id="5" name="Table 4">
+            <a:extLst>
+              <a:ext uri="{FF2B5EF4-FFF2-40B4-BE49-F238E27FC236}">
+                <a16:creationId xmlns:a16="http://schemas.microsoft.com/office/drawing/2014/main" id="{56B90FCA-655A-BCF8-64F7-E6971C34AD1B}"/>
+              </a:ext>
+            </a:extLst>
+          </p:cNvPr>
+          <p:cNvGraphicFramePr>
+            <a:graphicFrameLocks noGrp="1"/>
+          </p:cNvGraphicFramePr>
+          <p:nvPr>
+            <p:extLst>
+              <p:ext uri="{D42A27DB-BD31-4B8C-83A1-F6EECF244321}">
+                <p14:modId xmlns:p14="http://schemas.microsoft.com/office/powerpoint/2010/main" val="2617475937"/>
+              </p:ext>
+            </p:extLst>
+          </p:nvPr>
+        </p:nvGraphicFramePr>
+        <p:xfrm>
+          <a:off x="914400" y="3166110"/>
+          <a:ext cx="10353675" cy="731520"/>
+        </p:xfrm>
+        <a:graphic>
+          <a:graphicData uri="http://schemas.openxmlformats.org/drawingml/2006/table">
+            <a:tbl>
+              <a:tblPr/>
+              <a:tblGrid>
+                <a:gridCol w="10353675">
+                  <a:extLst>
+                    <a:ext uri="{9D8B030D-6E8A-4147-A177-3AD203B41FA5}">
+                      <a16:colId xmlns:a16="http://schemas.microsoft.com/office/drawing/2014/main" val="1986886338"/>
+                    </a:ext>
+                  </a:extLst>
+                </a:gridCol>
+              </a:tblGrid>
+              <a:tr h="0">
+                <a:tc>
+                  <a:txBody>
+                    <a:bodyPr/>
+                    <a:lstStyle/>
+                    <a:p>
+                      <a:endParaRPr lang="en-US"/>
+                    </a:p>
+                  </a:txBody>
+                  <a:tcPr anchor="ctr">
+                    <a:lnL>
+                      <a:noFill/>
+                    </a:lnL>
+                    <a:lnR>
+                      <a:noFill/>
+                    </a:lnR>
+                    <a:lnT>
+                      <a:noFill/>
+                    </a:lnT>
+                    <a:lnB>
+                      <a:noFill/>
+                    </a:lnB>
+                    <a:noFill/>
+                  </a:tcPr>
+                </a:tc>
+                <a:extLst>
+                  <a:ext uri="{0D108BD9-81ED-4DB2-BD59-A6C34878D82A}">
+                    <a16:rowId xmlns:a16="http://schemas.microsoft.com/office/drawing/2014/main" val="593425400"/>
+                  </a:ext>
+                </a:extLst>
+              </a:tr>
+              <a:tr h="0">
+                <a:tc>
+                  <a:txBody>
+                    <a:bodyPr/>
+                    <a:lstStyle/>
+                    <a:p>
+                      <a:endParaRPr lang="en-US" dirty="0"/>
+                    </a:p>
+                  </a:txBody>
+                  <a:tcPr anchor="ctr">
+                    <a:lnL>
+                      <a:noFill/>
+                    </a:lnL>
+                    <a:lnR>
+                      <a:noFill/>
+                    </a:lnR>
+                    <a:lnT>
+                      <a:noFill/>
+                    </a:lnT>
+                    <a:lnB>
+                      <a:noFill/>
+                    </a:lnB>
+                    <a:noFill/>
+                  </a:tcPr>
+                </a:tc>
+                <a:extLst>
+                  <a:ext uri="{0D108BD9-81ED-4DB2-BD59-A6C34878D82A}">
+                    <a16:rowId xmlns:a16="http://schemas.microsoft.com/office/drawing/2014/main" val="2191607986"/>
+                  </a:ext>
+                </a:extLst>
+              </a:tr>
+            </a:tbl>
+          </a:graphicData>
+        </a:graphic>
+      </p:graphicFrame>
       <p:pic>
         <p:nvPicPr>
-          <p:cNvPr id="2050" name="Picture 2" descr="Concurrent Users by Average Playtime">
+          <p:cNvPr id="4097" name="Picture 1" descr="Average Playtime by Genre">
             <a:extLst>
               <a:ext uri="{FF2B5EF4-FFF2-40B4-BE49-F238E27FC236}">
-                <a16:creationId xmlns:a16="http://schemas.microsoft.com/office/drawing/2014/main" id="{A09053B6-C014-D682-8E3E-B9DCAE67AD3C}"/>
+                <a16:creationId xmlns:a16="http://schemas.microsoft.com/office/drawing/2014/main" id="{983D5664-B907-DAA1-D5B1-54A2A3D9AAE2}"/>
               </a:ext>
             </a:extLst>
           </p:cNvPr>
@@ -13108,8 +11860,158 @@
         </p:blipFill>
         <p:spPr bwMode="auto">
           <a:xfrm>
-            <a:off x="3567112" y="1650524"/>
-            <a:ext cx="5057775" cy="4610100"/>
+            <a:off x="913795" y="1655286"/>
+            <a:ext cx="5057775" cy="4600575"/>
+          </a:xfrm>
+          <a:prstGeom prst="rect">
+            <a:avLst/>
+          </a:prstGeom>
+          <a:noFill/>
+          <a:extLst>
+            <a:ext uri="{909E8E84-426E-40DD-AFC4-6F175D3DCCD1}">
+              <a14:hiddenFill xmlns:a14="http://schemas.microsoft.com/office/drawing/2010/main">
+                <a:solidFill>
+                  <a:srgbClr val="FFFFFF"/>
+                </a:solidFill>
+              </a14:hiddenFill>
+            </a:ext>
+          </a:extLst>
+        </p:spPr>
+      </p:pic>
+      <p:graphicFrame>
+        <p:nvGraphicFramePr>
+          <p:cNvPr id="6" name="Table 5">
+            <a:extLst>
+              <a:ext uri="{FF2B5EF4-FFF2-40B4-BE49-F238E27FC236}">
+                <a16:creationId xmlns:a16="http://schemas.microsoft.com/office/drawing/2014/main" id="{CF1E2A59-5FEA-3509-3060-313CC91E1953}"/>
+              </a:ext>
+            </a:extLst>
+          </p:cNvPr>
+          <p:cNvGraphicFramePr>
+            <a:graphicFrameLocks noGrp="1"/>
+          </p:cNvGraphicFramePr>
+          <p:nvPr>
+            <p:extLst>
+              <p:ext uri="{D42A27DB-BD31-4B8C-83A1-F6EECF244321}">
+                <p14:modId xmlns:p14="http://schemas.microsoft.com/office/powerpoint/2010/main" val="89426778"/>
+              </p:ext>
+            </p:extLst>
+          </p:nvPr>
+        </p:nvGraphicFramePr>
+        <p:xfrm>
+          <a:off x="914400" y="3166110"/>
+          <a:ext cx="10353675" cy="731520"/>
+        </p:xfrm>
+        <a:graphic>
+          <a:graphicData uri="http://schemas.openxmlformats.org/drawingml/2006/table">
+            <a:tbl>
+              <a:tblPr/>
+              <a:tblGrid>
+                <a:gridCol w="10353675">
+                  <a:extLst>
+                    <a:ext uri="{9D8B030D-6E8A-4147-A177-3AD203B41FA5}">
+                      <a16:colId xmlns:a16="http://schemas.microsoft.com/office/drawing/2014/main" val="685974050"/>
+                    </a:ext>
+                  </a:extLst>
+                </a:gridCol>
+              </a:tblGrid>
+              <a:tr h="0">
+                <a:tc>
+                  <a:txBody>
+                    <a:bodyPr/>
+                    <a:lstStyle/>
+                    <a:p>
+                      <a:endParaRPr lang="en-US"/>
+                    </a:p>
+                  </a:txBody>
+                  <a:tcPr anchor="ctr">
+                    <a:lnL>
+                      <a:noFill/>
+                    </a:lnL>
+                    <a:lnR>
+                      <a:noFill/>
+                    </a:lnR>
+                    <a:lnT>
+                      <a:noFill/>
+                    </a:lnT>
+                    <a:lnB>
+                      <a:noFill/>
+                    </a:lnB>
+                    <a:noFill/>
+                  </a:tcPr>
+                </a:tc>
+                <a:extLst>
+                  <a:ext uri="{0D108BD9-81ED-4DB2-BD59-A6C34878D82A}">
+                    <a16:rowId xmlns:a16="http://schemas.microsoft.com/office/drawing/2014/main" val="3424541200"/>
+                  </a:ext>
+                </a:extLst>
+              </a:tr>
+              <a:tr h="0">
+                <a:tc>
+                  <a:txBody>
+                    <a:bodyPr/>
+                    <a:lstStyle/>
+                    <a:p>
+                      <a:endParaRPr lang="en-US" dirty="0"/>
+                    </a:p>
+                  </a:txBody>
+                  <a:tcPr anchor="ctr">
+                    <a:lnL>
+                      <a:noFill/>
+                    </a:lnL>
+                    <a:lnR>
+                      <a:noFill/>
+                    </a:lnR>
+                    <a:lnT>
+                      <a:noFill/>
+                    </a:lnT>
+                    <a:lnB>
+                      <a:noFill/>
+                    </a:lnB>
+                    <a:noFill/>
+                  </a:tcPr>
+                </a:tc>
+                <a:extLst>
+                  <a:ext uri="{0D108BD9-81ED-4DB2-BD59-A6C34878D82A}">
+                    <a16:rowId xmlns:a16="http://schemas.microsoft.com/office/drawing/2014/main" val="1270121138"/>
+                  </a:ext>
+                </a:extLst>
+              </a:tr>
+            </a:tbl>
+          </a:graphicData>
+        </a:graphic>
+      </p:graphicFrame>
+      <p:pic>
+        <p:nvPicPr>
+          <p:cNvPr id="4098" name="Picture 2" descr="Concurrent Players by Genres">
+            <a:extLst>
+              <a:ext uri="{FF2B5EF4-FFF2-40B4-BE49-F238E27FC236}">
+                <a16:creationId xmlns:a16="http://schemas.microsoft.com/office/drawing/2014/main" id="{EE6F69C6-BE9A-39F5-6D11-8DA2078A390D}"/>
+              </a:ext>
+            </a:extLst>
+          </p:cNvPr>
+          <p:cNvPicPr>
+            <a:picLocks noChangeAspect="1" noChangeArrowheads="1"/>
+          </p:cNvPicPr>
+          <p:nvPr/>
+        </p:nvPicPr>
+        <p:blipFill>
+          <a:blip r:embed="rId3">
+            <a:extLst>
+              <a:ext uri="{28A0092B-C50C-407E-A947-70E740481C1C}">
+                <a14:useLocalDpi xmlns:a14="http://schemas.microsoft.com/office/drawing/2010/main" val="0"/>
+              </a:ext>
+            </a:extLst>
+          </a:blip>
+          <a:srcRect/>
+          <a:stretch>
+            <a:fillRect/>
+          </a:stretch>
+        </p:blipFill>
+        <p:spPr bwMode="auto">
+          <a:xfrm>
+            <a:off x="6296025" y="1655286"/>
+            <a:ext cx="5057775" cy="4600575"/>
           </a:xfrm>
           <a:prstGeom prst="rect">
             <a:avLst/>
@@ -13139,7 +12041,7 @@
 </p:sld>
 </file>
 
-<file path=ppt/slides/slide16.xml><?xml version="1.0" encoding="utf-8"?>
+<file path=ppt/slides/slide13.xml><?xml version="1.0" encoding="utf-8"?>
 <p:sld xmlns:a="http://schemas.openxmlformats.org/drawingml/2006/main" xmlns:r="http://schemas.openxmlformats.org/officeDocument/2006/relationships" xmlns:p="http://schemas.openxmlformats.org/presentationml/2006/main">
   <p:cSld>
     <p:spTree>
@@ -13703,7 +12605,7 @@
 </p:sld>
 </file>
 
-<file path=ppt/slides/slide17.xml><?xml version="1.0" encoding="utf-8"?>
+<file path=ppt/slides/slide14.xml><?xml version="1.0" encoding="utf-8"?>
 <p:sld xmlns:a="http://schemas.openxmlformats.org/drawingml/2006/main" xmlns:r="http://schemas.openxmlformats.org/officeDocument/2006/relationships" xmlns:p="http://schemas.openxmlformats.org/presentationml/2006/main">
   <p:cSld>
     <p:spTree>
@@ -13816,7 +12718,7 @@
 </p:sld>
 </file>
 
-<file path=ppt/slides/slide18.xml><?xml version="1.0" encoding="utf-8"?>
+<file path=ppt/slides/slide15.xml><?xml version="1.0" encoding="utf-8"?>
 <p:sld xmlns:a="http://schemas.openxmlformats.org/drawingml/2006/main" xmlns:r="http://schemas.openxmlformats.org/officeDocument/2006/relationships" xmlns:p="http://schemas.openxmlformats.org/presentationml/2006/main">
   <p:cSld>
     <p:bg>
@@ -14110,7 +13012,7 @@
 </p:sld>
 </file>
 
-<file path=ppt/slides/slide19.xml><?xml version="1.0" encoding="utf-8"?>
+<file path=ppt/slides/slide16.xml><?xml version="1.0" encoding="utf-8"?>
 <p:sld xmlns:a="http://schemas.openxmlformats.org/drawingml/2006/main" xmlns:r="http://schemas.openxmlformats.org/officeDocument/2006/relationships" xmlns:p="http://schemas.openxmlformats.org/presentationml/2006/main">
   <p:cSld>
     <p:bg>
@@ -14865,59 +13767,12 @@
           </a:p>
         </p:txBody>
       </p:sp>
-      <p:pic>
-        <p:nvPicPr>
-          <p:cNvPr id="2049" name="Picture 1" descr="Total of Positive Reviews">
+      <p:graphicFrame>
+        <p:nvGraphicFramePr>
+          <p:cNvPr id="3" name="Table 2">
             <a:extLst>
               <a:ext uri="{FF2B5EF4-FFF2-40B4-BE49-F238E27FC236}">
-                <a16:creationId xmlns:a16="http://schemas.microsoft.com/office/drawing/2014/main" id="{20F1200E-2B1E-346C-2D41-D2E38CA1742D}"/>
-              </a:ext>
-            </a:extLst>
-          </p:cNvPr>
-          <p:cNvPicPr>
-            <a:picLocks noChangeAspect="1" noChangeArrowheads="1"/>
-          </p:cNvPicPr>
-          <p:nvPr/>
-        </p:nvPicPr>
-        <p:blipFill>
-          <a:blip r:embed="rId3">
-            <a:extLst>
-              <a:ext uri="{28A0092B-C50C-407E-A947-70E740481C1C}">
-                <a14:useLocalDpi xmlns:a14="http://schemas.microsoft.com/office/drawing/2010/main" val="0"/>
-              </a:ext>
-            </a:extLst>
-          </a:blip>
-          <a:srcRect/>
-          <a:stretch>
-            <a:fillRect/>
-          </a:stretch>
-        </p:blipFill>
-        <p:spPr bwMode="auto">
-          <a:xfrm>
-            <a:off x="838201" y="1690688"/>
-            <a:ext cx="3895725" cy="3505200"/>
-          </a:xfrm>
-          <a:prstGeom prst="rect">
-            <a:avLst/>
-          </a:prstGeom>
-          <a:noFill/>
-          <a:extLst>
-            <a:ext uri="{909E8E84-426E-40DD-AFC4-6F175D3DCCD1}">
-              <a14:hiddenFill xmlns:a14="http://schemas.microsoft.com/office/drawing/2010/main">
-                <a:solidFill>
-                  <a:srgbClr val="FFFFFF"/>
-                </a:solidFill>
-              </a14:hiddenFill>
-            </a:ext>
-          </a:extLst>
-        </p:spPr>
-      </p:pic>
-      <p:graphicFrame>
-        <p:nvGraphicFramePr>
-          <p:cNvPr id="5" name="Table 4">
-            <a:extLst>
-              <a:ext uri="{FF2B5EF4-FFF2-40B4-BE49-F238E27FC236}">
-                <a16:creationId xmlns:a16="http://schemas.microsoft.com/office/drawing/2014/main" id="{45D476D4-F350-AEEC-337C-ED96DA3E5D9C}"/>
+                <a16:creationId xmlns:a16="http://schemas.microsoft.com/office/drawing/2014/main" id="{5442BD7C-3D2B-11DA-F31D-48747ED6C3BE}"/>
               </a:ext>
             </a:extLst>
           </p:cNvPr>
@@ -14927,29 +13782,29 @@
           <p:nvPr>
             <p:extLst>
               <p:ext uri="{D42A27DB-BD31-4B8C-83A1-F6EECF244321}">
-                <p14:modId xmlns:p14="http://schemas.microsoft.com/office/powerpoint/2010/main" val="509120321"/>
+                <p14:modId xmlns:p14="http://schemas.microsoft.com/office/powerpoint/2010/main" val="409403706"/>
               </p:ext>
             </p:extLst>
           </p:nvPr>
         </p:nvGraphicFramePr>
         <p:xfrm>
-          <a:off x="838200" y="3224054"/>
-          <a:ext cx="10515600" cy="731520"/>
+          <a:off x="723902" y="1935920"/>
+          <a:ext cx="5272468" cy="1554480"/>
         </p:xfrm>
         <a:graphic>
           <a:graphicData uri="http://schemas.openxmlformats.org/drawingml/2006/table">
             <a:tbl>
               <a:tblPr/>
               <a:tblGrid>
-                <a:gridCol w="10515600">
+                <a:gridCol w="5272468">
                   <a:extLst>
                     <a:ext uri="{9D8B030D-6E8A-4147-A177-3AD203B41FA5}">
-                      <a16:colId xmlns:a16="http://schemas.microsoft.com/office/drawing/2014/main" val="3815331464"/>
+                      <a16:colId xmlns:a16="http://schemas.microsoft.com/office/drawing/2014/main" val="2540284334"/>
                     </a:ext>
                   </a:extLst>
                 </a:gridCol>
               </a:tblGrid>
-              <a:tr h="0">
+              <a:tr h="262263">
                 <a:tc>
                   <a:txBody>
                     <a:bodyPr/>
@@ -14976,17 +13831,61 @@
                 </a:tc>
                 <a:extLst>
                   <a:ext uri="{0D108BD9-81ED-4DB2-BD59-A6C34878D82A}">
-                    <a16:rowId xmlns:a16="http://schemas.microsoft.com/office/drawing/2014/main" val="3604458605"/>
+                    <a16:rowId xmlns:a16="http://schemas.microsoft.com/office/drawing/2014/main" val="3857914117"/>
                   </a:ext>
                 </a:extLst>
               </a:tr>
-              <a:tr h="0">
+              <a:tr h="852356">
                 <a:tc>
                   <a:txBody>
                     <a:bodyPr/>
                     <a:lstStyle/>
                     <a:p>
-                      <a:endParaRPr lang="en-US" dirty="0"/>
+                      <a:r>
+                        <a:rPr lang="en-US" b="0" dirty="0">
+                          <a:solidFill>
+                            <a:srgbClr val="0078D4"/>
+                          </a:solidFill>
+                          <a:effectLst/>
+                          <a:hlinkClick r:id="rId3"/>
+                        </a:rPr>
+                        <a:t>Open in Power BI</a:t>
+                      </a:r>
+                      <a:br>
+                        <a:rPr lang="en-US" b="0" dirty="0">
+                          <a:solidFill>
+                            <a:srgbClr val="0078D4"/>
+                          </a:solidFill>
+                          <a:effectLst/>
+                          <a:hlinkClick r:id="rId3"/>
+                        </a:rPr>
+                      </a:br>
+                      <a:r>
+                        <a:rPr lang="en-US" dirty="0"/>
+                        <a:t>visuals</a:t>
+                      </a:r>
+                      <a:br>
+                        <a:rPr lang="en-US" dirty="0"/>
+                      </a:br>
+                      <a:r>
+                        <a:rPr lang="en-US" dirty="0"/>
+                        <a:t>Data as of 2/29/24, 1:56 AM</a:t>
+                      </a:r>
+                      <a:br>
+                        <a:rPr lang="en-US" dirty="0"/>
+                      </a:br>
+                      <a:r>
+                        <a:rPr lang="en-US" dirty="0"/>
+                        <a:t>Filtered by </a:t>
+                      </a:r>
+                      <a:r>
+                        <a:rPr lang="en-US" b="1" dirty="0" err="1"/>
+                        <a:t>total_reviews</a:t>
+                      </a:r>
+                      <a:r>
+                        <a:rPr lang="en-US" dirty="0"/>
+                        <a:t> (is greater than 1000)</a:t>
+                      </a:r>
                     </a:p>
                   </a:txBody>
                   <a:tcPr anchor="ctr">
@@ -15007,7 +13906,7 @@
                 </a:tc>
                 <a:extLst>
                   <a:ext uri="{0D108BD9-81ED-4DB2-BD59-A6C34878D82A}">
-                    <a16:rowId xmlns:a16="http://schemas.microsoft.com/office/drawing/2014/main" val="2317490651"/>
+                    <a16:rowId xmlns:a16="http://schemas.microsoft.com/office/drawing/2014/main" val="2355264767"/>
                   </a:ext>
                 </a:extLst>
               </a:tr>
@@ -15017,10 +13916,10 @@
       </p:graphicFrame>
       <p:pic>
         <p:nvPicPr>
-          <p:cNvPr id="2051" name="Picture 3" descr="Total of Negative Reviews">
+          <p:cNvPr id="1025" name="Picture 1" descr="Total of Positive Reviews">
             <a:extLst>
               <a:ext uri="{FF2B5EF4-FFF2-40B4-BE49-F238E27FC236}">
-                <a16:creationId xmlns:a16="http://schemas.microsoft.com/office/drawing/2014/main" id="{FCEA85C7-837A-E8B0-1932-58216235CAAA}"/>
+                <a16:creationId xmlns:a16="http://schemas.microsoft.com/office/drawing/2014/main" id="{2C7FDD57-35D4-ACE5-B961-D10327ABFFEC}"/>
               </a:ext>
             </a:extLst>
           </p:cNvPr>
@@ -15044,8 +13943,158 @@
         </p:blipFill>
         <p:spPr bwMode="auto">
           <a:xfrm>
-            <a:off x="7458075" y="1690688"/>
-            <a:ext cx="3895725" cy="3505200"/>
+            <a:off x="624270" y="2268713"/>
+            <a:ext cx="5372100" cy="2653367"/>
+          </a:xfrm>
+          <a:prstGeom prst="rect">
+            <a:avLst/>
+          </a:prstGeom>
+          <a:noFill/>
+          <a:extLst>
+            <a:ext uri="{909E8E84-426E-40DD-AFC4-6F175D3DCCD1}">
+              <a14:hiddenFill xmlns:a14="http://schemas.microsoft.com/office/drawing/2010/main">
+                <a:solidFill>
+                  <a:srgbClr val="FFFFFF"/>
+                </a:solidFill>
+              </a14:hiddenFill>
+            </a:ext>
+          </a:extLst>
+        </p:spPr>
+      </p:pic>
+      <p:graphicFrame>
+        <p:nvGraphicFramePr>
+          <p:cNvPr id="4" name="Table 3">
+            <a:extLst>
+              <a:ext uri="{FF2B5EF4-FFF2-40B4-BE49-F238E27FC236}">
+                <a16:creationId xmlns:a16="http://schemas.microsoft.com/office/drawing/2014/main" id="{F8397795-4A00-635C-1FB7-04D789955C32}"/>
+              </a:ext>
+            </a:extLst>
+          </p:cNvPr>
+          <p:cNvGraphicFramePr>
+            <a:graphicFrameLocks noGrp="1"/>
+          </p:cNvGraphicFramePr>
+          <p:nvPr>
+            <p:extLst>
+              <p:ext uri="{D42A27DB-BD31-4B8C-83A1-F6EECF244321}">
+                <p14:modId xmlns:p14="http://schemas.microsoft.com/office/powerpoint/2010/main" val="1080626462"/>
+              </p:ext>
+            </p:extLst>
+          </p:nvPr>
+        </p:nvGraphicFramePr>
+        <p:xfrm>
+          <a:off x="3676650" y="2269348"/>
+          <a:ext cx="9420225" cy="2664116"/>
+        </p:xfrm>
+        <a:graphic>
+          <a:graphicData uri="http://schemas.openxmlformats.org/drawingml/2006/table">
+            <a:tbl>
+              <a:tblPr/>
+              <a:tblGrid>
+                <a:gridCol w="9420225">
+                  <a:extLst>
+                    <a:ext uri="{9D8B030D-6E8A-4147-A177-3AD203B41FA5}">
+                      <a16:colId xmlns:a16="http://schemas.microsoft.com/office/drawing/2014/main" val="2892871252"/>
+                    </a:ext>
+                  </a:extLst>
+                </a:gridCol>
+              </a:tblGrid>
+              <a:tr h="365610">
+                <a:tc>
+                  <a:txBody>
+                    <a:bodyPr/>
+                    <a:lstStyle/>
+                    <a:p>
+                      <a:endParaRPr lang="en-US"/>
+                    </a:p>
+                  </a:txBody>
+                  <a:tcPr anchor="ctr">
+                    <a:lnL>
+                      <a:noFill/>
+                    </a:lnL>
+                    <a:lnR>
+                      <a:noFill/>
+                    </a:lnR>
+                    <a:lnT>
+                      <a:noFill/>
+                    </a:lnT>
+                    <a:lnB>
+                      <a:noFill/>
+                    </a:lnB>
+                    <a:noFill/>
+                  </a:tcPr>
+                </a:tc>
+                <a:extLst>
+                  <a:ext uri="{0D108BD9-81ED-4DB2-BD59-A6C34878D82A}">
+                    <a16:rowId xmlns:a16="http://schemas.microsoft.com/office/drawing/2014/main" val="1858663243"/>
+                  </a:ext>
+                </a:extLst>
+              </a:tr>
+              <a:tr h="2298356">
+                <a:tc>
+                  <a:txBody>
+                    <a:bodyPr/>
+                    <a:lstStyle/>
+                    <a:p>
+                      <a:endParaRPr lang="en-US" dirty="0"/>
+                    </a:p>
+                  </a:txBody>
+                  <a:tcPr anchor="ctr">
+                    <a:lnL>
+                      <a:noFill/>
+                    </a:lnL>
+                    <a:lnR>
+                      <a:noFill/>
+                    </a:lnR>
+                    <a:lnT>
+                      <a:noFill/>
+                    </a:lnT>
+                    <a:lnB>
+                      <a:noFill/>
+                    </a:lnB>
+                    <a:noFill/>
+                  </a:tcPr>
+                </a:tc>
+                <a:extLst>
+                  <a:ext uri="{0D108BD9-81ED-4DB2-BD59-A6C34878D82A}">
+                    <a16:rowId xmlns:a16="http://schemas.microsoft.com/office/drawing/2014/main" val="2989852336"/>
+                  </a:ext>
+                </a:extLst>
+              </a:tr>
+            </a:tbl>
+          </a:graphicData>
+        </a:graphic>
+      </p:graphicFrame>
+      <p:pic>
+        <p:nvPicPr>
+          <p:cNvPr id="1026" name="Picture 2" descr="Total of Negative Reviews">
+            <a:extLst>
+              <a:ext uri="{FF2B5EF4-FFF2-40B4-BE49-F238E27FC236}">
+                <a16:creationId xmlns:a16="http://schemas.microsoft.com/office/drawing/2014/main" id="{334B70B4-133D-8C33-46EC-35FFB4228503}"/>
+              </a:ext>
+            </a:extLst>
+          </p:cNvPr>
+          <p:cNvPicPr>
+            <a:picLocks noChangeAspect="1" noChangeArrowheads="1"/>
+          </p:cNvPicPr>
+          <p:nvPr/>
+        </p:nvPicPr>
+        <p:blipFill>
+          <a:blip r:embed="rId5">
+            <a:extLst>
+              <a:ext uri="{28A0092B-C50C-407E-A947-70E740481C1C}">
+                <a14:useLocalDpi xmlns:a14="http://schemas.microsoft.com/office/drawing/2010/main" val="0"/>
+              </a:ext>
+            </a:extLst>
+          </a:blip>
+          <a:srcRect/>
+          <a:stretch>
+            <a:fillRect/>
+          </a:stretch>
+        </p:blipFill>
+        <p:spPr bwMode="auto">
+          <a:xfrm>
+            <a:off x="6195632" y="2268713"/>
+            <a:ext cx="5372098" cy="2653367"/>
           </a:xfrm>
           <a:prstGeom prst="rect">
             <a:avLst/>
@@ -15115,7 +14164,7 @@
           <a:p>
             <a:r>
               <a:rPr lang="en-US" dirty="0"/>
-              <a:t>Prices raises over time.</a:t>
+              <a:t>Prices over time.</a:t>
             </a:r>
           </a:p>
         </p:txBody>
@@ -15513,6 +14562,214 @@
           <p:cNvPr id="2" name="Title 1">
             <a:extLst>
               <a:ext uri="{FF2B5EF4-FFF2-40B4-BE49-F238E27FC236}">
+                <a16:creationId xmlns:a16="http://schemas.microsoft.com/office/drawing/2014/main" id="{58E372A2-6237-AEF0-8F6D-BC4435A0F394}"/>
+              </a:ext>
+            </a:extLst>
+          </p:cNvPr>
+          <p:cNvSpPr>
+            <a:spLocks noGrp="1"/>
+          </p:cNvSpPr>
+          <p:nvPr>
+            <p:ph type="title"/>
+          </p:nvPr>
+        </p:nvSpPr>
+        <p:spPr/>
+        <p:txBody>
+          <a:bodyPr/>
+          <a:lstStyle/>
+          <a:p>
+            <a:r>
+              <a:rPr lang="en-US" dirty="0"/>
+              <a:t>Prices Against Reviews</a:t>
+            </a:r>
+          </a:p>
+        </p:txBody>
+      </p:sp>
+      <p:graphicFrame>
+        <p:nvGraphicFramePr>
+          <p:cNvPr id="3" name="Table 2">
+            <a:extLst>
+              <a:ext uri="{FF2B5EF4-FFF2-40B4-BE49-F238E27FC236}">
+                <a16:creationId xmlns:a16="http://schemas.microsoft.com/office/drawing/2014/main" id="{04BD500F-241B-F47B-CF6F-EA8F140A2E81}"/>
+              </a:ext>
+            </a:extLst>
+          </p:cNvPr>
+          <p:cNvGraphicFramePr>
+            <a:graphicFrameLocks noGrp="1"/>
+          </p:cNvGraphicFramePr>
+          <p:nvPr>
+            <p:extLst>
+              <p:ext uri="{D42A27DB-BD31-4B8C-83A1-F6EECF244321}">
+                <p14:modId xmlns:p14="http://schemas.microsoft.com/office/powerpoint/2010/main" val="4151349272"/>
+              </p:ext>
+            </p:extLst>
+          </p:nvPr>
+        </p:nvGraphicFramePr>
+        <p:xfrm>
+          <a:off x="914400" y="3166110"/>
+          <a:ext cx="10353675" cy="731520"/>
+        </p:xfrm>
+        <a:graphic>
+          <a:graphicData uri="http://schemas.openxmlformats.org/drawingml/2006/table">
+            <a:tbl>
+              <a:tblPr/>
+              <a:tblGrid>
+                <a:gridCol w="10353675">
+                  <a:extLst>
+                    <a:ext uri="{9D8B030D-6E8A-4147-A177-3AD203B41FA5}">
+                      <a16:colId xmlns:a16="http://schemas.microsoft.com/office/drawing/2014/main" val="3363869556"/>
+                    </a:ext>
+                  </a:extLst>
+                </a:gridCol>
+              </a:tblGrid>
+              <a:tr h="0">
+                <a:tc>
+                  <a:txBody>
+                    <a:bodyPr/>
+                    <a:lstStyle/>
+                    <a:p>
+                      <a:endParaRPr lang="en-US" dirty="0"/>
+                    </a:p>
+                  </a:txBody>
+                  <a:tcPr anchor="ctr">
+                    <a:lnL>
+                      <a:noFill/>
+                    </a:lnL>
+                    <a:lnR>
+                      <a:noFill/>
+                    </a:lnR>
+                    <a:lnT>
+                      <a:noFill/>
+                    </a:lnT>
+                    <a:lnB>
+                      <a:noFill/>
+                    </a:lnB>
+                    <a:noFill/>
+                  </a:tcPr>
+                </a:tc>
+                <a:extLst>
+                  <a:ext uri="{0D108BD9-81ED-4DB2-BD59-A6C34878D82A}">
+                    <a16:rowId xmlns:a16="http://schemas.microsoft.com/office/drawing/2014/main" val="2516238015"/>
+                  </a:ext>
+                </a:extLst>
+              </a:tr>
+              <a:tr h="0">
+                <a:tc>
+                  <a:txBody>
+                    <a:bodyPr/>
+                    <a:lstStyle/>
+                    <a:p>
+                      <a:endParaRPr lang="en-US" dirty="0"/>
+                    </a:p>
+                  </a:txBody>
+                  <a:tcPr anchor="ctr">
+                    <a:lnL>
+                      <a:noFill/>
+                    </a:lnL>
+                    <a:lnR>
+                      <a:noFill/>
+                    </a:lnR>
+                    <a:lnT>
+                      <a:noFill/>
+                    </a:lnT>
+                    <a:lnB>
+                      <a:noFill/>
+                    </a:lnB>
+                    <a:noFill/>
+                  </a:tcPr>
+                </a:tc>
+                <a:extLst>
+                  <a:ext uri="{0D108BD9-81ED-4DB2-BD59-A6C34878D82A}">
+                    <a16:rowId xmlns:a16="http://schemas.microsoft.com/office/drawing/2014/main" val="1620749510"/>
+                  </a:ext>
+                </a:extLst>
+              </a:tr>
+            </a:tbl>
+          </a:graphicData>
+        </a:graphic>
+      </p:graphicFrame>
+      <p:pic>
+        <p:nvPicPr>
+          <p:cNvPr id="2049" name="Picture 1" descr="Average of review_score and Average of price by Year">
+            <a:extLst>
+              <a:ext uri="{FF2B5EF4-FFF2-40B4-BE49-F238E27FC236}">
+                <a16:creationId xmlns:a16="http://schemas.microsoft.com/office/drawing/2014/main" id="{91998E62-35DB-7D98-40F4-4073E79633BE}"/>
+              </a:ext>
+            </a:extLst>
+          </p:cNvPr>
+          <p:cNvPicPr>
+            <a:picLocks noChangeAspect="1" noChangeArrowheads="1"/>
+          </p:cNvPicPr>
+          <p:nvPr/>
+        </p:nvPicPr>
+        <p:blipFill>
+          <a:blip r:embed="rId2">
+            <a:extLst>
+              <a:ext uri="{28A0092B-C50C-407E-A947-70E740481C1C}">
+                <a14:useLocalDpi xmlns:a14="http://schemas.microsoft.com/office/drawing/2010/main" val="0"/>
+              </a:ext>
+            </a:extLst>
+          </a:blip>
+          <a:srcRect/>
+          <a:stretch>
+            <a:fillRect/>
+          </a:stretch>
+        </p:blipFill>
+        <p:spPr bwMode="auto">
+          <a:xfrm>
+            <a:off x="2494987" y="2164080"/>
+            <a:ext cx="7191375" cy="3467100"/>
+          </a:xfrm>
+          <a:prstGeom prst="rect">
+            <a:avLst/>
+          </a:prstGeom>
+          <a:noFill/>
+          <a:extLst>
+            <a:ext uri="{909E8E84-426E-40DD-AFC4-6F175D3DCCD1}">
+              <a14:hiddenFill xmlns:a14="http://schemas.microsoft.com/office/drawing/2010/main">
+                <a:solidFill>
+                  <a:srgbClr val="FFFFFF"/>
+                </a:solidFill>
+              </a14:hiddenFill>
+            </a:ext>
+          </a:extLst>
+        </p:spPr>
+      </p:pic>
+    </p:spTree>
+    <p:extLst>
+      <p:ext uri="{BB962C8B-B14F-4D97-AF65-F5344CB8AC3E}">
+        <p14:creationId xmlns:p14="http://schemas.microsoft.com/office/powerpoint/2010/main" val="1080663354"/>
+      </p:ext>
+    </p:extLst>
+  </p:cSld>
+  <p:clrMapOvr>
+    <a:masterClrMapping/>
+  </p:clrMapOvr>
+</p:sld>
+</file>
+
+<file path=ppt/slides/slide8.xml><?xml version="1.0" encoding="utf-8"?>
+<p:sld xmlns:a="http://schemas.openxmlformats.org/drawingml/2006/main" xmlns:r="http://schemas.openxmlformats.org/officeDocument/2006/relationships" xmlns:p="http://schemas.openxmlformats.org/presentationml/2006/main">
+  <p:cSld>
+    <p:spTree>
+      <p:nvGrpSpPr>
+        <p:cNvPr id="1" name=""/>
+        <p:cNvGrpSpPr/>
+        <p:nvPr/>
+      </p:nvGrpSpPr>
+      <p:grpSpPr>
+        <a:xfrm>
+          <a:off x="0" y="0"/>
+          <a:ext cx="0" cy="0"/>
+          <a:chOff x="0" y="0"/>
+          <a:chExt cx="0" cy="0"/>
+        </a:xfrm>
+      </p:grpSpPr>
+      <p:sp>
+        <p:nvSpPr>
+          <p:cNvPr id="2" name="Title 1">
+            <a:extLst>
+              <a:ext uri="{FF2B5EF4-FFF2-40B4-BE49-F238E27FC236}">
                 <a16:creationId xmlns:a16="http://schemas.microsoft.com/office/drawing/2014/main" id="{C8C75D34-9DD7-834E-EAC8-ABB05234B3FC}"/>
               </a:ext>
             </a:extLst>
@@ -15551,7 +14808,7 @@
           <p:nvPr>
             <p:extLst>
               <p:ext uri="{D42A27DB-BD31-4B8C-83A1-F6EECF244321}">
-                <p14:modId xmlns:p14="http://schemas.microsoft.com/office/powerpoint/2010/main" val="1918268615"/>
+                <p14:modId xmlns:p14="http://schemas.microsoft.com/office/powerpoint/2010/main" val="3711311916"/>
               </p:ext>
             </p:extLst>
           </p:nvPr>
@@ -15579,7 +14836,7 @@
                     <a:bodyPr/>
                     <a:lstStyle/>
                     <a:p>
-                      <a:endParaRPr lang="en-US"/>
+                      <a:endParaRPr lang="en-US" dirty="0"/>
                     </a:p>
                   </a:txBody>
                   <a:tcPr anchor="ctr">
@@ -15639,12 +14896,115 @@
           </a:graphicData>
         </a:graphic>
       </p:graphicFrame>
+      <p:graphicFrame>
+        <p:nvGraphicFramePr>
+          <p:cNvPr id="4" name="Table 3">
+            <a:extLst>
+              <a:ext uri="{FF2B5EF4-FFF2-40B4-BE49-F238E27FC236}">
+                <a16:creationId xmlns:a16="http://schemas.microsoft.com/office/drawing/2014/main" id="{77ACEF0A-122E-3285-314A-7F8909E12436}"/>
+              </a:ext>
+            </a:extLst>
+          </p:cNvPr>
+          <p:cNvGraphicFramePr>
+            <a:graphicFrameLocks noGrp="1"/>
+          </p:cNvGraphicFramePr>
+          <p:nvPr>
+            <p:extLst>
+              <p:ext uri="{D42A27DB-BD31-4B8C-83A1-F6EECF244321}">
+                <p14:modId xmlns:p14="http://schemas.microsoft.com/office/powerpoint/2010/main" val="2241033464"/>
+              </p:ext>
+            </p:extLst>
+          </p:nvPr>
+        </p:nvGraphicFramePr>
+        <p:xfrm>
+          <a:off x="914400" y="3166110"/>
+          <a:ext cx="10353675" cy="731520"/>
+        </p:xfrm>
+        <a:graphic>
+          <a:graphicData uri="http://schemas.openxmlformats.org/drawingml/2006/table">
+            <a:tbl>
+              <a:tblPr/>
+              <a:tblGrid>
+                <a:gridCol w="10353675">
+                  <a:extLst>
+                    <a:ext uri="{9D8B030D-6E8A-4147-A177-3AD203B41FA5}">
+                      <a16:colId xmlns:a16="http://schemas.microsoft.com/office/drawing/2014/main" val="757064354"/>
+                    </a:ext>
+                  </a:extLst>
+                </a:gridCol>
+              </a:tblGrid>
+              <a:tr h="0">
+                <a:tc>
+                  <a:txBody>
+                    <a:bodyPr/>
+                    <a:lstStyle/>
+                    <a:p>
+                      <a:endParaRPr lang="en-US"/>
+                    </a:p>
+                  </a:txBody>
+                  <a:tcPr anchor="ctr">
+                    <a:lnL>
+                      <a:noFill/>
+                    </a:lnL>
+                    <a:lnR>
+                      <a:noFill/>
+                    </a:lnR>
+                    <a:lnT>
+                      <a:noFill/>
+                    </a:lnT>
+                    <a:lnB>
+                      <a:noFill/>
+                    </a:lnB>
+                    <a:noFill/>
+                  </a:tcPr>
+                </a:tc>
+                <a:extLst>
+                  <a:ext uri="{0D108BD9-81ED-4DB2-BD59-A6C34878D82A}">
+                    <a16:rowId xmlns:a16="http://schemas.microsoft.com/office/drawing/2014/main" val="1123262575"/>
+                  </a:ext>
+                </a:extLst>
+              </a:tr>
+              <a:tr h="0">
+                <a:tc>
+                  <a:txBody>
+                    <a:bodyPr/>
+                    <a:lstStyle/>
+                    <a:p>
+                      <a:endParaRPr lang="en-US" dirty="0"/>
+                    </a:p>
+                  </a:txBody>
+                  <a:tcPr anchor="ctr">
+                    <a:lnL>
+                      <a:noFill/>
+                    </a:lnL>
+                    <a:lnR>
+                      <a:noFill/>
+                    </a:lnR>
+                    <a:lnT>
+                      <a:noFill/>
+                    </a:lnT>
+                    <a:lnB>
+                      <a:noFill/>
+                    </a:lnB>
+                    <a:noFill/>
+                  </a:tcPr>
+                </a:tc>
+                <a:extLst>
+                  <a:ext uri="{0D108BD9-81ED-4DB2-BD59-A6C34878D82A}">
+                    <a16:rowId xmlns:a16="http://schemas.microsoft.com/office/drawing/2014/main" val="2506333459"/>
+                  </a:ext>
+                </a:extLst>
+              </a:tr>
+            </a:tbl>
+          </a:graphicData>
+        </a:graphic>
+      </p:graphicFrame>
       <p:pic>
         <p:nvPicPr>
-          <p:cNvPr id="4097" name="Picture 1" descr="Price by Total Positive Reviews">
+          <p:cNvPr id="3073" name="Picture 1" descr="Total Positive Reviews by Price">
             <a:extLst>
               <a:ext uri="{FF2B5EF4-FFF2-40B4-BE49-F238E27FC236}">
-                <a16:creationId xmlns:a16="http://schemas.microsoft.com/office/drawing/2014/main" id="{4656DE4D-E49B-022A-72AF-BCE727256B08}"/>
+                <a16:creationId xmlns:a16="http://schemas.microsoft.com/office/drawing/2014/main" id="{080244C8-5D7A-82F5-CEA6-1E3FB0ADDA12}"/>
               </a:ext>
             </a:extLst>
           </p:cNvPr>
@@ -15668,8 +15028,8 @@
         </p:blipFill>
         <p:spPr bwMode="auto">
           <a:xfrm>
-            <a:off x="2100262" y="1426686"/>
-            <a:ext cx="7991475" cy="5057775"/>
+            <a:off x="2130121" y="1450394"/>
+            <a:ext cx="7931757" cy="5166973"/>
           </a:xfrm>
           <a:prstGeom prst="rect">
             <a:avLst/>
@@ -15699,7 +15059,7 @@
 </p:sld>
 </file>
 
-<file path=ppt/slides/slide8.xml><?xml version="1.0" encoding="utf-8"?>
+<file path=ppt/slides/slide9.xml><?xml version="1.0" encoding="utf-8"?>
 <p:sld xmlns:a="http://schemas.openxmlformats.org/drawingml/2006/main" xmlns:r="http://schemas.openxmlformats.org/officeDocument/2006/relationships" xmlns:p="http://schemas.openxmlformats.org/presentationml/2006/main">
   <p:cSld>
     <p:spTree>
@@ -15795,393 +15155,6 @@
     <p:extLst>
       <p:ext uri="{BB962C8B-B14F-4D97-AF65-F5344CB8AC3E}">
         <p14:creationId xmlns:p14="http://schemas.microsoft.com/office/powerpoint/2010/main" val="3191309286"/>
-      </p:ext>
-    </p:extLst>
-  </p:cSld>
-  <p:clrMapOvr>
-    <a:masterClrMapping/>
-  </p:clrMapOvr>
-</p:sld>
-</file>
-
-<file path=ppt/slides/slide9.xml><?xml version="1.0" encoding="utf-8"?>
-<p:sld xmlns:a="http://schemas.openxmlformats.org/drawingml/2006/main" xmlns:r="http://schemas.openxmlformats.org/officeDocument/2006/relationships" xmlns:p="http://schemas.openxmlformats.org/presentationml/2006/main">
-  <p:cSld>
-    <p:bg>
-      <p:bgPr>
-        <a:blipFill rotWithShape="1">
-          <a:blip r:embed="rId3">
-            <a:duotone>
-              <a:schemeClr val="bg2">
-                <a:shade val="18000"/>
-                <a:satMod val="160000"/>
-                <a:lumMod val="28000"/>
-              </a:schemeClr>
-              <a:schemeClr val="bg2">
-                <a:tint val="95000"/>
-                <a:satMod val="160000"/>
-                <a:lumMod val="116000"/>
-              </a:schemeClr>
-            </a:duotone>
-          </a:blip>
-          <a:stretch/>
-        </a:blipFill>
-        <a:effectLst/>
-      </p:bgPr>
-    </p:bg>
-    <p:spTree>
-      <p:nvGrpSpPr>
-        <p:cNvPr id="1" name=""/>
-        <p:cNvGrpSpPr/>
-        <p:nvPr/>
-      </p:nvGrpSpPr>
-      <p:grpSpPr>
-        <a:xfrm>
-          <a:off x="0" y="0"/>
-          <a:ext cx="0" cy="0"/>
-          <a:chOff x="0" y="0"/>
-          <a:chExt cx="0" cy="0"/>
-        </a:xfrm>
-      </p:grpSpPr>
-      <p:sp>
-        <p:nvSpPr>
-          <p:cNvPr id="2" name="Title 1">
-            <a:extLst>
-              <a:ext uri="{FF2B5EF4-FFF2-40B4-BE49-F238E27FC236}">
-                <a16:creationId xmlns:a16="http://schemas.microsoft.com/office/drawing/2014/main" id="{A824F22A-1F79-627F-5AE3-0ABB6C654F1E}"/>
-              </a:ext>
-            </a:extLst>
-          </p:cNvPr>
-          <p:cNvSpPr>
-            <a:spLocks noGrp="1"/>
-          </p:cNvSpPr>
-          <p:nvPr>
-            <p:ph type="title"/>
-          </p:nvPr>
-        </p:nvSpPr>
-        <p:spPr>
-          <a:xfrm>
-            <a:off x="913795" y="609600"/>
-            <a:ext cx="10353761" cy="1326321"/>
-          </a:xfrm>
-        </p:spPr>
-        <p:txBody>
-          <a:bodyPr vert="horz" lIns="91440" tIns="45720" rIns="91440" bIns="45720" rtlCol="0" anchor="ctr">
-            <a:normAutofit/>
-          </a:bodyPr>
-          <a:lstStyle/>
-          <a:p>
-            <a:r>
-              <a:rPr lang="en-US" dirty="0"/>
-              <a:t>Counter-Strike 2</a:t>
-            </a:r>
-          </a:p>
-        </p:txBody>
-      </p:sp>
-      <p:sp>
-        <p:nvSpPr>
-          <p:cNvPr id="4" name="TextBox 3">
-            <a:extLst>
-              <a:ext uri="{FF2B5EF4-FFF2-40B4-BE49-F238E27FC236}">
-                <a16:creationId xmlns:a16="http://schemas.microsoft.com/office/drawing/2014/main" id="{FBDE323C-3661-4A53-01DD-89401CCB5941}"/>
-              </a:ext>
-            </a:extLst>
-          </p:cNvPr>
-          <p:cNvSpPr txBox="1"/>
-          <p:nvPr/>
-        </p:nvSpPr>
-        <p:spPr>
-          <a:xfrm>
-            <a:off x="913795" y="2096064"/>
-            <a:ext cx="5016860" cy="3695136"/>
-          </a:xfrm>
-          <a:prstGeom prst="rect">
-            <a:avLst/>
-          </a:prstGeom>
-        </p:spPr>
-        <p:txBody>
-          <a:bodyPr vert="horz" lIns="91440" tIns="45720" rIns="91440" bIns="45720" rtlCol="0">
-            <a:normAutofit/>
-          </a:bodyPr>
-          <a:lstStyle/>
-          <a:p>
-            <a:pPr marL="285750" indent="-228600" defTabSz="914400">
-              <a:lnSpc>
-                <a:spcPct val="120000"/>
-              </a:lnSpc>
-              <a:spcAft>
-                <a:spcPts val="600"/>
-              </a:spcAft>
-              <a:buFont typeface="Arial" panose="020B0604020202020204" pitchFamily="34" charset="0"/>
-              <a:buChar char="•"/>
-            </a:pPr>
-            <a:r>
-              <a:rPr lang="en-US">
-                <a:effectLst>
-                  <a:outerShdw blurRad="50800" dist="38100" dir="2700000" algn="tl" rotWithShape="0">
-                    <a:srgbClr val="000000">
-                      <a:alpha val="48000"/>
-                    </a:srgbClr>
-                  </a:outerShdw>
-                </a:effectLst>
-              </a:rPr>
-              <a:t>Multiplayer First-person Shooter</a:t>
-            </a:r>
-          </a:p>
-          <a:p>
-            <a:pPr marL="285750" indent="-228600" defTabSz="914400">
-              <a:lnSpc>
-                <a:spcPct val="120000"/>
-              </a:lnSpc>
-              <a:spcAft>
-                <a:spcPts val="600"/>
-              </a:spcAft>
-              <a:buFont typeface="Arial" panose="020B0604020202020204" pitchFamily="34" charset="0"/>
-              <a:buChar char="•"/>
-            </a:pPr>
-            <a:endParaRPr lang="en-US">
-              <a:effectLst>
-                <a:outerShdw blurRad="50800" dist="38100" dir="2700000" algn="tl" rotWithShape="0">
-                  <a:srgbClr val="000000">
-                    <a:alpha val="48000"/>
-                  </a:srgbClr>
-                </a:outerShdw>
-              </a:effectLst>
-            </a:endParaRPr>
-          </a:p>
-          <a:p>
-            <a:pPr marL="285750" indent="-228600" defTabSz="914400">
-              <a:lnSpc>
-                <a:spcPct val="120000"/>
-              </a:lnSpc>
-              <a:spcAft>
-                <a:spcPts val="600"/>
-              </a:spcAft>
-              <a:buFont typeface="Arial" panose="020B0604020202020204" pitchFamily="34" charset="0"/>
-              <a:buChar char="•"/>
-            </a:pPr>
-            <a:r>
-              <a:rPr lang="en-US">
-                <a:effectLst>
-                  <a:outerShdw blurRad="50800" dist="38100" dir="2700000" algn="tl" rotWithShape="0">
-                    <a:srgbClr val="000000">
-                      <a:alpha val="48000"/>
-                    </a:srgbClr>
-                  </a:outerShdw>
-                </a:effectLst>
-              </a:rPr>
-              <a:t>Successor of popular franchise</a:t>
-            </a:r>
-          </a:p>
-          <a:p>
-            <a:pPr marL="285750" indent="-228600" defTabSz="914400">
-              <a:lnSpc>
-                <a:spcPct val="120000"/>
-              </a:lnSpc>
-              <a:spcAft>
-                <a:spcPts val="600"/>
-              </a:spcAft>
-              <a:buFont typeface="Arial" panose="020B0604020202020204" pitchFamily="34" charset="0"/>
-              <a:buChar char="•"/>
-            </a:pPr>
-            <a:endParaRPr lang="en-US">
-              <a:effectLst>
-                <a:outerShdw blurRad="50800" dist="38100" dir="2700000" algn="tl" rotWithShape="0">
-                  <a:srgbClr val="000000">
-                    <a:alpha val="48000"/>
-                  </a:srgbClr>
-                </a:outerShdw>
-              </a:effectLst>
-            </a:endParaRPr>
-          </a:p>
-          <a:p>
-            <a:pPr marL="285750" indent="-228600" defTabSz="914400">
-              <a:lnSpc>
-                <a:spcPct val="120000"/>
-              </a:lnSpc>
-              <a:spcAft>
-                <a:spcPts val="600"/>
-              </a:spcAft>
-              <a:buFont typeface="Arial" panose="020B0604020202020204" pitchFamily="34" charset="0"/>
-              <a:buChar char="•"/>
-            </a:pPr>
-            <a:r>
-              <a:rPr lang="en-US">
-                <a:effectLst>
-                  <a:outerShdw blurRad="50800" dist="38100" dir="2700000" algn="tl" rotWithShape="0">
-                    <a:srgbClr val="000000">
-                      <a:alpha val="48000"/>
-                    </a:srgbClr>
-                  </a:outerShdw>
-                </a:effectLst>
-              </a:rPr>
-              <a:t>Esports</a:t>
-            </a:r>
-          </a:p>
-          <a:p>
-            <a:pPr marL="285750" indent="-228600" defTabSz="914400">
-              <a:lnSpc>
-                <a:spcPct val="120000"/>
-              </a:lnSpc>
-              <a:spcAft>
-                <a:spcPts val="600"/>
-              </a:spcAft>
-              <a:buFont typeface="Arial" panose="020B0604020202020204" pitchFamily="34" charset="0"/>
-              <a:buChar char="•"/>
-            </a:pPr>
-            <a:endParaRPr lang="en-US">
-              <a:effectLst>
-                <a:outerShdw blurRad="50800" dist="38100" dir="2700000" algn="tl" rotWithShape="0">
-                  <a:srgbClr val="000000">
-                    <a:alpha val="48000"/>
-                  </a:srgbClr>
-                </a:outerShdw>
-              </a:effectLst>
-            </a:endParaRPr>
-          </a:p>
-          <a:p>
-            <a:pPr marL="285750" indent="-228600" defTabSz="914400">
-              <a:lnSpc>
-                <a:spcPct val="120000"/>
-              </a:lnSpc>
-              <a:spcAft>
-                <a:spcPts val="600"/>
-              </a:spcAft>
-              <a:buFont typeface="Arial" panose="020B0604020202020204" pitchFamily="34" charset="0"/>
-              <a:buChar char="•"/>
-            </a:pPr>
-            <a:r>
-              <a:rPr lang="en-US">
-                <a:effectLst>
-                  <a:outerShdw blurRad="50800" dist="38100" dir="2700000" algn="tl" rotWithShape="0">
-                    <a:srgbClr val="000000">
-                      <a:alpha val="48000"/>
-                    </a:srgbClr>
-                  </a:outerShdw>
-                </a:effectLst>
-              </a:rPr>
-              <a:t>Free-to-play</a:t>
-            </a:r>
-          </a:p>
-          <a:p>
-            <a:pPr marL="285750" indent="-228600" defTabSz="914400">
-              <a:lnSpc>
-                <a:spcPct val="120000"/>
-              </a:lnSpc>
-              <a:spcAft>
-                <a:spcPts val="600"/>
-              </a:spcAft>
-              <a:buFont typeface="Arial" panose="020B0604020202020204" pitchFamily="34" charset="0"/>
-              <a:buChar char="•"/>
-            </a:pPr>
-            <a:endParaRPr lang="en-US">
-              <a:effectLst>
-                <a:outerShdw blurRad="50800" dist="38100" dir="2700000" algn="tl" rotWithShape="0">
-                  <a:srgbClr val="000000">
-                    <a:alpha val="48000"/>
-                  </a:srgbClr>
-                </a:outerShdw>
-              </a:effectLst>
-            </a:endParaRPr>
-          </a:p>
-          <a:p>
-            <a:pPr marL="285750" indent="-228600" defTabSz="914400">
-              <a:lnSpc>
-                <a:spcPct val="120000"/>
-              </a:lnSpc>
-              <a:spcAft>
-                <a:spcPts val="600"/>
-              </a:spcAft>
-              <a:buFont typeface="Arial" panose="020B0604020202020204" pitchFamily="34" charset="0"/>
-              <a:buChar char="•"/>
-            </a:pPr>
-            <a:r>
-              <a:rPr lang="en-US">
-                <a:effectLst>
-                  <a:outerShdw blurRad="50800" dist="38100" dir="2700000" algn="tl" rotWithShape="0">
-                    <a:srgbClr val="000000">
-                      <a:alpha val="48000"/>
-                    </a:srgbClr>
-                  </a:outerShdw>
-                </a:effectLst>
-              </a:rPr>
-              <a:t>The most positive reviews</a:t>
-            </a:r>
-          </a:p>
-        </p:txBody>
-      </p:sp>
-      <p:pic>
-        <p:nvPicPr>
-          <p:cNvPr id="6145" name="Picture 1" descr="Counter-Strike 2">
-            <a:extLst>
-              <a:ext uri="{FF2B5EF4-FFF2-40B4-BE49-F238E27FC236}">
-                <a16:creationId xmlns:a16="http://schemas.microsoft.com/office/drawing/2014/main" id="{6DB5C2A6-A931-5EE5-47CB-CF11D63EB0C0}"/>
-              </a:ext>
-            </a:extLst>
-          </p:cNvPr>
-          <p:cNvPicPr>
-            <a:picLocks noChangeAspect="1" noChangeArrowheads="1"/>
-          </p:cNvPicPr>
-          <p:nvPr/>
-        </p:nvPicPr>
-        <p:blipFill>
-          <a:blip r:embed="rId4">
-            <a:extLst>
-              <a:ext uri="{28A0092B-C50C-407E-A947-70E740481C1C}">
-                <a14:useLocalDpi xmlns:a14="http://schemas.microsoft.com/office/drawing/2010/main" val="0"/>
-              </a:ext>
-            </a:extLst>
-          </a:blip>
-          <a:stretch>
-            <a:fillRect/>
-          </a:stretch>
-        </p:blipFill>
-        <p:spPr bwMode="auto">
-          <a:xfrm>
-            <a:off x="6357257" y="3335243"/>
-            <a:ext cx="4833257" cy="1244563"/>
-          </a:xfrm>
-          <a:prstGeom prst="rect">
-            <a:avLst/>
-          </a:prstGeom>
-          <a:noFill/>
-          <a:ln w="190500" cap="sq">
-            <a:solidFill>
-              <a:srgbClr val="FFFFFF"/>
-            </a:solidFill>
-            <a:miter lim="800000"/>
-          </a:ln>
-          <a:effectLst>
-            <a:outerShdw blurRad="54991" dist="17780" dir="5400000" algn="ctr" rotWithShape="0">
-              <a:schemeClr val="bg1">
-                <a:alpha val="40000"/>
-              </a:schemeClr>
-            </a:outerShdw>
-          </a:effectLst>
-          <a:scene3d>
-            <a:camera prst="orthographicFront"/>
-            <a:lightRig rig="twoPt" dir="t">
-              <a:rot lat="0" lon="0" rev="7200000"/>
-            </a:lightRig>
-          </a:scene3d>
-          <a:sp3d>
-            <a:bevelT w="25400" h="19050"/>
-          </a:sp3d>
-          <a:extLst>
-            <a:ext uri="{909E8E84-426E-40DD-AFC4-6F175D3DCCD1}">
-              <a14:hiddenFill xmlns:a14="http://schemas.microsoft.com/office/drawing/2010/main">
-                <a:solidFill>
-                  <a:srgbClr val="FFFFFF"/>
-                </a:solidFill>
-              </a14:hiddenFill>
-            </a:ext>
-          </a:extLst>
-        </p:spPr>
-      </p:pic>
-    </p:spTree>
-    <p:extLst>
-      <p:ext uri="{BB962C8B-B14F-4D97-AF65-F5344CB8AC3E}">
-        <p14:creationId xmlns:p14="http://schemas.microsoft.com/office/powerpoint/2010/main" val="1120059671"/>
       </p:ext>
     </p:extLst>
   </p:cSld>
